--- a/android.pptx
+++ b/android.pptx
@@ -14,6 +14,9 @@
     <p:sldId id="262" r:id="rId9"/>
     <p:sldId id="263" r:id="rId10"/>
     <p:sldId id="264" r:id="rId11"/>
+    <p:sldId id="265" r:id="rId12"/>
+    <p:sldId id="266" r:id="rId13"/>
+    <p:sldId id="267" r:id="rId14"/>
   </p:sldIdLst>
   <p:sldSz cx="10080625" cy="7559675"/>
   <p:notesSz cx="7772400" cy="10058400"/>
@@ -1546,7 +1549,21 @@
                 </a:uFill>
                 <a:latin typeface="Arial"/>
               </a:rPr>
-              <a:t>Click to edit the title text format</a:t>
+              <a:t>Click to edit the title </a:t>
+            </a:r>
+            <a:r>
+              <a:rPr b="0" lang="en-US" sz="4400" spc="-1" strike="noStrike">
+                <a:solidFill>
+                  <a:srgbClr val="000000"/>
+                </a:solidFill>
+                <a:uFill>
+                  <a:solidFill>
+                    <a:srgbClr val="ffffff"/>
+                  </a:solidFill>
+                </a:uFill>
+                <a:latin typeface="Arial"/>
+              </a:rPr>
+              <a:t>text format</a:t>
             </a:r>
             <a:endParaRPr b="0" lang="en-US" sz="4400" spc="-1" strike="noStrike">
               <a:solidFill>
@@ -1954,7 +1971,7 @@
           <a:bodyPr lIns="0" rIns="0" tIns="0" bIns="0"/>
           <a:p>
             <a:pPr algn="r"/>
-            <a:fld id="{4DCF1C5F-B5EA-4617-8AF4-1F7B4B3952A3}" type="slidenum">
+            <a:fld id="{8597F121-B344-46C1-A08B-BC25A4EAC869}" type="slidenum">
               <a:rPr b="0" lang="en-US" sz="1400" spc="-1" strike="noStrike">
                 <a:solidFill>
                   <a:srgbClr val="000000"/>
@@ -2028,7 +2045,7 @@
         <p:spPr>
           <a:xfrm>
             <a:off x="504000" y="301320"/>
-            <a:ext cx="9071640" cy="5851800"/>
+            <a:ext cx="9071640" cy="3356280"/>
           </a:xfrm>
           <a:prstGeom prst="rect">
             <a:avLst/>
@@ -2135,7 +2152,7 @@
         <p:spPr>
           <a:xfrm>
             <a:off x="1371600" y="4480560"/>
-            <a:ext cx="7498080" cy="2129400"/>
+            <a:ext cx="7498080" cy="2809080"/>
           </a:xfrm>
           <a:prstGeom prst="rect">
             <a:avLst/>
@@ -2148,6 +2165,32 @@
         <p:txBody>
           <a:bodyPr lIns="90000" rIns="90000" tIns="45000" bIns="45000"/>
           <a:p>
+            <a:endParaRPr b="0" lang="en-US" sz="2400" spc="-1" strike="noStrike">
+              <a:solidFill>
+                <a:srgbClr val="000000"/>
+              </a:solidFill>
+              <a:uFill>
+                <a:solidFill>
+                  <a:srgbClr val="ffffff"/>
+                </a:solidFill>
+              </a:uFill>
+              <a:latin typeface="Arial"/>
+            </a:endParaRPr>
+          </a:p>
+          <a:p>
+            <a:endParaRPr b="0" lang="en-US" sz="2400" spc="-1" strike="noStrike">
+              <a:solidFill>
+                <a:srgbClr val="000000"/>
+              </a:solidFill>
+              <a:uFill>
+                <a:solidFill>
+                  <a:srgbClr val="ffffff"/>
+                </a:solidFill>
+              </a:uFill>
+              <a:latin typeface="Arial"/>
+            </a:endParaRPr>
+          </a:p>
+          <a:p>
             <a:r>
               <a:rPr b="0" lang="en-US" sz="2400" spc="-1" strike="noStrike">
                 <a:solidFill>
@@ -2286,6 +2329,85 @@
               <a:t> </a:t>
             </a:r>
             <a:endParaRPr b="0" lang="en-US" sz="2400" spc="-1" strike="noStrike">
+              <a:solidFill>
+                <a:srgbClr val="000000"/>
+              </a:solidFill>
+              <a:uFill>
+                <a:solidFill>
+                  <a:srgbClr val="ffffff"/>
+                </a:solidFill>
+              </a:uFill>
+              <a:latin typeface="Arial"/>
+            </a:endParaRPr>
+          </a:p>
+        </p:txBody>
+      </p:sp>
+      <p:sp>
+        <p:nvSpPr>
+          <p:cNvPr id="41" name="TextShape 3"/>
+          <p:cNvSpPr txBox="1"/>
+          <p:nvPr/>
+        </p:nvSpPr>
+        <p:spPr>
+          <a:xfrm>
+            <a:off x="3749040" y="2834640"/>
+            <a:ext cx="2926080" cy="1340280"/>
+          </a:xfrm>
+          <a:prstGeom prst="rect">
+            <a:avLst/>
+          </a:prstGeom>
+          <a:noFill/>
+          <a:ln>
+            <a:noFill/>
+          </a:ln>
+        </p:spPr>
+        <p:txBody>
+          <a:bodyPr lIns="90000" rIns="90000" tIns="45000" bIns="45000"/>
+          <a:p>
+            <a:pPr algn="ctr"/>
+            <a:r>
+              <a:rPr b="0" lang="en-US" sz="2200" spc="-1" strike="noStrike">
+                <a:solidFill>
+                  <a:srgbClr val="000000"/>
+                </a:solidFill>
+                <a:uFill>
+                  <a:solidFill>
+                    <a:srgbClr val="ffffff"/>
+                  </a:solidFill>
+                </a:uFill>
+                <a:latin typeface="Arial"/>
+              </a:rPr>
+              <a:t>Roland Fong ‘19</a:t>
+            </a:r>
+            <a:endParaRPr b="0" lang="en-US" sz="2200" spc="-1" strike="noStrike">
+              <a:solidFill>
+                <a:srgbClr val="000000"/>
+              </a:solidFill>
+              <a:uFill>
+                <a:solidFill>
+                  <a:srgbClr val="ffffff"/>
+                </a:solidFill>
+              </a:uFill>
+              <a:latin typeface="Arial"/>
+            </a:endParaRPr>
+          </a:p>
+          <a:p>
+            <a:pPr algn="ctr"/>
+            <a:r>
+              <a:rPr b="0" lang="en-US" sz="2200" spc="-1" strike="noStrike">
+                <a:solidFill>
+                  <a:srgbClr val="000000"/>
+                </a:solidFill>
+                <a:uFill>
+                  <a:solidFill>
+                    <a:srgbClr val="ffffff"/>
+                  </a:solidFill>
+                </a:uFill>
+                <a:latin typeface="Arial"/>
+              </a:rPr>
+              <a:t>HackPrinceton 2016</a:t>
+            </a:r>
+            <a:endParaRPr b="0" lang="en-US" sz="2200" spc="-1" strike="noStrike">
               <a:solidFill>
                 <a:srgbClr val="000000"/>
               </a:solidFill>
@@ -2308,6 +2430,1489 @@
           <p:childTnLst>
             <p:seq>
               <p:cTn id="2" nodeType="mainSeq"/>
+              <p:prevCondLst>
+                <p:cond delay="0" evt="onPrev">
+                  <p:tgtEl>
+                    <p:sldTgt/>
+                  </p:tgtEl>
+                </p:cond>
+              </p:prevCondLst>
+              <p:nextCondLst>
+                <p:cond delay="0" evt="onNext">
+                  <p:tgtEl>
+                    <p:sldTgt/>
+                  </p:tgtEl>
+                </p:cond>
+              </p:nextCondLst>
+            </p:seq>
+          </p:childTnLst>
+        </p:cTn>
+      </p:par>
+    </p:tnLst>
+  </p:timing>
+</p:sld>
+</file>
+
+<file path=ppt/slides/slide10.xml><?xml version="1.0" encoding="utf-8"?>
+<p:sld xmlns:a="http://schemas.openxmlformats.org/drawingml/2006/main" xmlns:p="http://schemas.openxmlformats.org/presentationml/2006/main" xmlns:r="http://schemas.openxmlformats.org/officeDocument/2006/relationships" xmlns:p14="http://schemas.microsoft.com/office/powerpoint/2010/main" xmlns:p15="http://schemas.microsoft.com/office/powerpoint/2012/main" xmlns:mc="http://schemas.openxmlformats.org/markup-compatibility/2006">
+  <p:cSld>
+    <p:spTree>
+      <p:nvGrpSpPr>
+        <p:cNvPr id="1" name=""/>
+        <p:cNvGrpSpPr/>
+        <p:nvPr/>
+      </p:nvGrpSpPr>
+      <p:grpSpPr>
+        <a:xfrm>
+          <a:off x="0" y="0"/>
+          <a:ext cx="0" cy="0"/>
+          <a:chOff x="0" y="0"/>
+          <a:chExt cx="0" cy="0"/>
+        </a:xfrm>
+      </p:grpSpPr>
+      <p:sp>
+        <p:nvSpPr>
+          <p:cNvPr id="71" name="TextShape 1"/>
+          <p:cNvSpPr txBox="1"/>
+          <p:nvPr/>
+        </p:nvSpPr>
+        <p:spPr>
+          <a:xfrm>
+            <a:off x="504000" y="301320"/>
+            <a:ext cx="9071640" cy="1262160"/>
+          </a:xfrm>
+          <a:prstGeom prst="rect">
+            <a:avLst/>
+          </a:prstGeom>
+          <a:noFill/>
+          <a:ln>
+            <a:noFill/>
+          </a:ln>
+        </p:spPr>
+        <p:txBody>
+          <a:bodyPr lIns="0" rIns="0" tIns="0" bIns="0" anchor="ctr"/>
+          <a:p>
+            <a:pPr algn="ctr"/>
+            <a:r>
+              <a:rPr b="0" lang="en-US" sz="4400" spc="-1" strike="noStrike">
+                <a:solidFill>
+                  <a:srgbClr val="000000"/>
+                </a:solidFill>
+                <a:uFill>
+                  <a:solidFill>
+                    <a:srgbClr val="ffffff"/>
+                  </a:solidFill>
+                </a:uFill>
+                <a:latin typeface="Arial"/>
+              </a:rPr>
+              <a:t>Input Control</a:t>
+            </a:r>
+            <a:endParaRPr b="0" lang="en-US" sz="4400" spc="-1" strike="noStrike">
+              <a:solidFill>
+                <a:srgbClr val="000000"/>
+              </a:solidFill>
+              <a:uFill>
+                <a:solidFill>
+                  <a:srgbClr val="ffffff"/>
+                </a:solidFill>
+              </a:uFill>
+              <a:latin typeface="Arial"/>
+            </a:endParaRPr>
+          </a:p>
+        </p:txBody>
+      </p:sp>
+      <p:sp>
+        <p:nvSpPr>
+          <p:cNvPr id="72" name="TextShape 2"/>
+          <p:cNvSpPr txBox="1"/>
+          <p:nvPr/>
+        </p:nvSpPr>
+        <p:spPr>
+          <a:xfrm>
+            <a:off x="504000" y="1769040"/>
+            <a:ext cx="9071640" cy="4384440"/>
+          </a:xfrm>
+          <a:prstGeom prst="rect">
+            <a:avLst/>
+          </a:prstGeom>
+          <a:noFill/>
+          <a:ln>
+            <a:noFill/>
+          </a:ln>
+        </p:spPr>
+        <p:txBody>
+          <a:bodyPr lIns="0" rIns="0" tIns="0" bIns="0"/>
+          <a:p>
+            <a:pPr marL="432000" indent="-324000">
+              <a:buClr>
+                <a:srgbClr val="000000"/>
+              </a:buClr>
+              <a:buSzPct val="45000"/>
+              <a:buFont typeface="Wingdings" charset="2"/>
+              <a:buChar char=""/>
+            </a:pPr>
+            <a:r>
+              <a:rPr b="0" lang="en-US" sz="2800" spc="-1" strike="noStrike">
+                <a:solidFill>
+                  <a:srgbClr val="000000"/>
+                </a:solidFill>
+                <a:uFill>
+                  <a:solidFill>
+                    <a:srgbClr val="ffffff"/>
+                  </a:solidFill>
+                </a:uFill>
+                <a:latin typeface="Arial"/>
+              </a:rPr>
+              <a:t>Use Event Listeners</a:t>
+            </a:r>
+            <a:endParaRPr b="0" lang="en-US" sz="2800" spc="-1" strike="noStrike">
+              <a:solidFill>
+                <a:srgbClr val="000000"/>
+              </a:solidFill>
+              <a:uFill>
+                <a:solidFill>
+                  <a:srgbClr val="ffffff"/>
+                </a:solidFill>
+              </a:uFill>
+              <a:latin typeface="Arial"/>
+            </a:endParaRPr>
+          </a:p>
+          <a:p>
+            <a:pPr lvl="1" marL="864000" indent="-324000">
+              <a:buClr>
+                <a:srgbClr val="000000"/>
+              </a:buClr>
+              <a:buSzPct val="75000"/>
+              <a:buFont typeface="Symbol" charset="2"/>
+              <a:buChar char=""/>
+            </a:pPr>
+            <a:r>
+              <a:rPr b="0" lang="en-US" sz="2800" spc="-1" strike="noStrike">
+                <a:solidFill>
+                  <a:srgbClr val="000000"/>
+                </a:solidFill>
+                <a:uFill>
+                  <a:solidFill>
+                    <a:srgbClr val="ffffff"/>
+                  </a:solidFill>
+                </a:uFill>
+                <a:latin typeface="Arial"/>
+              </a:rPr>
+              <a:t>e.g. Buttons have setOnClickListnener() method, taking object implementing OnClickedListener</a:t>
+            </a:r>
+            <a:endParaRPr b="0" lang="en-US" sz="2800" spc="-1" strike="noStrike">
+              <a:solidFill>
+                <a:srgbClr val="000000"/>
+              </a:solidFill>
+              <a:uFill>
+                <a:solidFill>
+                  <a:srgbClr val="ffffff"/>
+                </a:solidFill>
+              </a:uFill>
+              <a:latin typeface="Arial"/>
+            </a:endParaRPr>
+          </a:p>
+          <a:p>
+            <a:pPr marL="432000" indent="-324000">
+              <a:buClr>
+                <a:srgbClr val="000000"/>
+              </a:buClr>
+              <a:buSzPct val="45000"/>
+              <a:buFont typeface="Wingdings" charset="2"/>
+              <a:buChar char=""/>
+            </a:pPr>
+            <a:r>
+              <a:rPr b="0" lang="en-US" sz="2800" spc="-1" strike="noStrike">
+                <a:solidFill>
+                  <a:srgbClr val="000000"/>
+                </a:solidFill>
+                <a:uFill>
+                  <a:solidFill>
+                    <a:srgbClr val="ffffff"/>
+                  </a:solidFill>
+                </a:uFill>
+                <a:latin typeface="Arial"/>
+              </a:rPr>
+              <a:t>Two styles:</a:t>
+            </a:r>
+            <a:endParaRPr b="0" lang="en-US" sz="2800" spc="-1" strike="noStrike">
+              <a:solidFill>
+                <a:srgbClr val="000000"/>
+              </a:solidFill>
+              <a:uFill>
+                <a:solidFill>
+                  <a:srgbClr val="ffffff"/>
+                </a:solidFill>
+              </a:uFill>
+              <a:latin typeface="Arial"/>
+            </a:endParaRPr>
+          </a:p>
+        </p:txBody>
+      </p:sp>
+      <p:sp>
+        <p:nvSpPr>
+          <p:cNvPr id="73" name="TextShape 3"/>
+          <p:cNvSpPr txBox="1"/>
+          <p:nvPr/>
+        </p:nvSpPr>
+        <p:spPr>
+          <a:xfrm>
+            <a:off x="3474720" y="3200400"/>
+            <a:ext cx="5943600" cy="1463040"/>
+          </a:xfrm>
+          <a:prstGeom prst="rect">
+            <a:avLst/>
+          </a:prstGeom>
+          <a:solidFill>
+            <a:srgbClr val="dddddd"/>
+          </a:solidFill>
+          <a:ln>
+            <a:noFill/>
+          </a:ln>
+        </p:spPr>
+        <p:txBody>
+          <a:bodyPr lIns="90000" rIns="90000" tIns="45000" bIns="45000"/>
+          <a:p>
+            <a:r>
+              <a:rPr b="0" lang="en-US" sz="1800" spc="-1" strike="noStrike">
+                <a:solidFill>
+                  <a:srgbClr val="000000"/>
+                </a:solidFill>
+                <a:uFill>
+                  <a:solidFill>
+                    <a:srgbClr val="ffffff"/>
+                  </a:solidFill>
+                </a:uFill>
+                <a:latin typeface="Arial"/>
+              </a:rPr>
+              <a:t>btn.setOnClickListener(new View.OnClickListener() {</a:t>
+            </a:r>
+            <a:endParaRPr b="0" lang="en-US" sz="1800" spc="-1" strike="noStrike">
+              <a:solidFill>
+                <a:srgbClr val="000000"/>
+              </a:solidFill>
+              <a:uFill>
+                <a:solidFill>
+                  <a:srgbClr val="ffffff"/>
+                </a:solidFill>
+              </a:uFill>
+              <a:latin typeface="Arial"/>
+            </a:endParaRPr>
+          </a:p>
+          <a:p>
+            <a:r>
+              <a:rPr b="0" lang="en-US" sz="1800" spc="-1" strike="noStrike">
+                <a:solidFill>
+                  <a:srgbClr val="000000"/>
+                </a:solidFill>
+                <a:uFill>
+                  <a:solidFill>
+                    <a:srgbClr val="ffffff"/>
+                  </a:solidFill>
+                </a:uFill>
+                <a:latin typeface="Arial"/>
+              </a:rPr>
+              <a:t>    </a:t>
+            </a:r>
+            <a:r>
+              <a:rPr b="0" lang="en-US" sz="1800" spc="-1" strike="noStrike">
+                <a:solidFill>
+                  <a:srgbClr val="000000"/>
+                </a:solidFill>
+                <a:uFill>
+                  <a:solidFill>
+                    <a:srgbClr val="ffffff"/>
+                  </a:solidFill>
+                </a:uFill>
+                <a:latin typeface="Arial"/>
+              </a:rPr>
+              <a:t>public void onClick(View view) {</a:t>
+            </a:r>
+            <a:endParaRPr b="0" lang="en-US" sz="1800" spc="-1" strike="noStrike">
+              <a:solidFill>
+                <a:srgbClr val="000000"/>
+              </a:solidFill>
+              <a:uFill>
+                <a:solidFill>
+                  <a:srgbClr val="ffffff"/>
+                </a:solidFill>
+              </a:uFill>
+              <a:latin typeface="Arial"/>
+            </a:endParaRPr>
+          </a:p>
+          <a:p>
+            <a:r>
+              <a:rPr b="0" lang="en-US" sz="1800" spc="-1" strike="noStrike">
+                <a:solidFill>
+                  <a:srgbClr val="000000"/>
+                </a:solidFill>
+                <a:uFill>
+                  <a:solidFill>
+                    <a:srgbClr val="ffffff"/>
+                  </a:solidFill>
+                </a:uFill>
+                <a:latin typeface="Arial"/>
+              </a:rPr>
+              <a:t>        </a:t>
+            </a:r>
+            <a:r>
+              <a:rPr b="0" lang="en-US" sz="1800" spc="-1" strike="noStrike">
+                <a:solidFill>
+                  <a:srgbClr val="000000"/>
+                </a:solidFill>
+                <a:uFill>
+                  <a:solidFill>
+                    <a:srgbClr val="ffffff"/>
+                  </a:solidFill>
+                </a:uFill>
+                <a:latin typeface="Arial"/>
+              </a:rPr>
+              <a:t>// do something</a:t>
+            </a:r>
+            <a:endParaRPr b="0" lang="en-US" sz="1800" spc="-1" strike="noStrike">
+              <a:solidFill>
+                <a:srgbClr val="000000"/>
+              </a:solidFill>
+              <a:uFill>
+                <a:solidFill>
+                  <a:srgbClr val="ffffff"/>
+                </a:solidFill>
+              </a:uFill>
+              <a:latin typeface="Arial"/>
+            </a:endParaRPr>
+          </a:p>
+          <a:p>
+            <a:r>
+              <a:rPr b="0" lang="en-US" sz="1800" spc="-1" strike="noStrike">
+                <a:solidFill>
+                  <a:srgbClr val="000000"/>
+                </a:solidFill>
+                <a:uFill>
+                  <a:solidFill>
+                    <a:srgbClr val="ffffff"/>
+                  </a:solidFill>
+                </a:uFill>
+                <a:latin typeface="Arial"/>
+              </a:rPr>
+              <a:t>    </a:t>
+            </a:r>
+            <a:r>
+              <a:rPr b="0" lang="en-US" sz="1800" spc="-1" strike="noStrike">
+                <a:solidFill>
+                  <a:srgbClr val="000000"/>
+                </a:solidFill>
+                <a:uFill>
+                  <a:solidFill>
+                    <a:srgbClr val="ffffff"/>
+                  </a:solidFill>
+                </a:uFill>
+                <a:latin typeface="Arial"/>
+              </a:rPr>
+              <a:t>}</a:t>
+            </a:r>
+            <a:endParaRPr b="0" lang="en-US" sz="1800" spc="-1" strike="noStrike">
+              <a:solidFill>
+                <a:srgbClr val="000000"/>
+              </a:solidFill>
+              <a:uFill>
+                <a:solidFill>
+                  <a:srgbClr val="ffffff"/>
+                </a:solidFill>
+              </a:uFill>
+              <a:latin typeface="Arial"/>
+            </a:endParaRPr>
+          </a:p>
+          <a:p>
+            <a:r>
+              <a:rPr b="0" lang="en-US" sz="1800" spc="-1" strike="noStrike">
+                <a:solidFill>
+                  <a:srgbClr val="000000"/>
+                </a:solidFill>
+                <a:uFill>
+                  <a:solidFill>
+                    <a:srgbClr val="ffffff"/>
+                  </a:solidFill>
+                </a:uFill>
+                <a:latin typeface="Arial"/>
+              </a:rPr>
+              <a:t>});</a:t>
+            </a:r>
+            <a:endParaRPr b="0" lang="en-US" sz="1800" spc="-1" strike="noStrike">
+              <a:solidFill>
+                <a:srgbClr val="000000"/>
+              </a:solidFill>
+              <a:uFill>
+                <a:solidFill>
+                  <a:srgbClr val="ffffff"/>
+                </a:solidFill>
+              </a:uFill>
+              <a:latin typeface="Arial"/>
+            </a:endParaRPr>
+          </a:p>
+        </p:txBody>
+      </p:sp>
+      <p:sp>
+        <p:nvSpPr>
+          <p:cNvPr id="74" name="TextShape 4"/>
+          <p:cNvSpPr txBox="1"/>
+          <p:nvPr/>
+        </p:nvSpPr>
+        <p:spPr>
+          <a:xfrm>
+            <a:off x="3455280" y="4756680"/>
+            <a:ext cx="5963040" cy="2649960"/>
+          </a:xfrm>
+          <a:prstGeom prst="rect">
+            <a:avLst/>
+          </a:prstGeom>
+          <a:solidFill>
+            <a:srgbClr val="dddddd"/>
+          </a:solidFill>
+          <a:ln>
+            <a:noFill/>
+          </a:ln>
+        </p:spPr>
+        <p:txBody>
+          <a:bodyPr lIns="90000" rIns="90000" tIns="45000" bIns="45000"/>
+          <a:p>
+            <a:r>
+              <a:rPr b="0" lang="en-US" sz="1800" spc="-1" strike="noStrike">
+                <a:solidFill>
+                  <a:srgbClr val="000000"/>
+                </a:solidFill>
+                <a:uFill>
+                  <a:solidFill>
+                    <a:srgbClr val="ffffff"/>
+                  </a:solidFill>
+                </a:uFill>
+                <a:latin typeface="Arial"/>
+              </a:rPr>
+              <a:t>class SomeActivity implements View.OnClickListener() {</a:t>
+            </a:r>
+            <a:endParaRPr b="0" lang="en-US" sz="1800" spc="-1" strike="noStrike">
+              <a:solidFill>
+                <a:srgbClr val="000000"/>
+              </a:solidFill>
+              <a:uFill>
+                <a:solidFill>
+                  <a:srgbClr val="ffffff"/>
+                </a:solidFill>
+              </a:uFill>
+              <a:latin typeface="Arial"/>
+            </a:endParaRPr>
+          </a:p>
+          <a:p>
+            <a:endParaRPr b="0" lang="en-US" sz="1800" spc="-1" strike="noStrike">
+              <a:solidFill>
+                <a:srgbClr val="000000"/>
+              </a:solidFill>
+              <a:uFill>
+                <a:solidFill>
+                  <a:srgbClr val="ffffff"/>
+                </a:solidFill>
+              </a:uFill>
+              <a:latin typeface="Arial"/>
+            </a:endParaRPr>
+          </a:p>
+          <a:p>
+            <a:r>
+              <a:rPr b="0" lang="en-US" sz="1800" spc="-1" strike="noStrike">
+                <a:solidFill>
+                  <a:srgbClr val="000000"/>
+                </a:solidFill>
+                <a:uFill>
+                  <a:solidFill>
+                    <a:srgbClr val="ffffff"/>
+                  </a:solidFill>
+                </a:uFill>
+                <a:latin typeface="Arial"/>
+              </a:rPr>
+              <a:t>   </a:t>
+            </a:r>
+            <a:r>
+              <a:rPr b="0" lang="en-US" sz="1800" spc="-1" strike="noStrike">
+                <a:solidFill>
+                  <a:srgbClr val="000000"/>
+                </a:solidFill>
+                <a:uFill>
+                  <a:solidFill>
+                    <a:srgbClr val="ffffff"/>
+                  </a:solidFill>
+                </a:uFill>
+                <a:latin typeface="Arial"/>
+              </a:rPr>
+              <a:t>public void someMethod() {</a:t>
+            </a:r>
+            <a:endParaRPr b="0" lang="en-US" sz="1800" spc="-1" strike="noStrike">
+              <a:solidFill>
+                <a:srgbClr val="000000"/>
+              </a:solidFill>
+              <a:uFill>
+                <a:solidFill>
+                  <a:srgbClr val="ffffff"/>
+                </a:solidFill>
+              </a:uFill>
+              <a:latin typeface="Arial"/>
+            </a:endParaRPr>
+          </a:p>
+          <a:p>
+            <a:r>
+              <a:rPr b="0" lang="en-US" sz="1800" spc="-1" strike="noStrike">
+                <a:solidFill>
+                  <a:srgbClr val="000000"/>
+                </a:solidFill>
+                <a:uFill>
+                  <a:solidFill>
+                    <a:srgbClr val="ffffff"/>
+                  </a:solidFill>
+                </a:uFill>
+                <a:latin typeface="Arial"/>
+              </a:rPr>
+              <a:t>      </a:t>
+            </a:r>
+            <a:r>
+              <a:rPr b="0" lang="en-US" sz="1800" spc="-1" strike="noStrike">
+                <a:solidFill>
+                  <a:srgbClr val="000000"/>
+                </a:solidFill>
+                <a:uFill>
+                  <a:solidFill>
+                    <a:srgbClr val="ffffff"/>
+                  </a:solidFill>
+                </a:uFill>
+                <a:latin typeface="Arial"/>
+              </a:rPr>
+              <a:t>btn.setOnClickListener(this);</a:t>
+            </a:r>
+            <a:endParaRPr b="0" lang="en-US" sz="1800" spc="-1" strike="noStrike">
+              <a:solidFill>
+                <a:srgbClr val="000000"/>
+              </a:solidFill>
+              <a:uFill>
+                <a:solidFill>
+                  <a:srgbClr val="ffffff"/>
+                </a:solidFill>
+              </a:uFill>
+              <a:latin typeface="Arial"/>
+            </a:endParaRPr>
+          </a:p>
+          <a:p>
+            <a:r>
+              <a:rPr b="0" lang="en-US" sz="1800" spc="-1" strike="noStrike">
+                <a:solidFill>
+                  <a:srgbClr val="000000"/>
+                </a:solidFill>
+                <a:uFill>
+                  <a:solidFill>
+                    <a:srgbClr val="ffffff"/>
+                  </a:solidFill>
+                </a:uFill>
+                <a:latin typeface="Arial"/>
+              </a:rPr>
+              <a:t>   </a:t>
+            </a:r>
+            <a:r>
+              <a:rPr b="0" lang="en-US" sz="1800" spc="-1" strike="noStrike">
+                <a:solidFill>
+                  <a:srgbClr val="000000"/>
+                </a:solidFill>
+                <a:uFill>
+                  <a:solidFill>
+                    <a:srgbClr val="ffffff"/>
+                  </a:solidFill>
+                </a:uFill>
+                <a:latin typeface="Arial"/>
+              </a:rPr>
+              <a:t>}</a:t>
+            </a:r>
+            <a:endParaRPr b="0" lang="en-US" sz="1800" spc="-1" strike="noStrike">
+              <a:solidFill>
+                <a:srgbClr val="000000"/>
+              </a:solidFill>
+              <a:uFill>
+                <a:solidFill>
+                  <a:srgbClr val="ffffff"/>
+                </a:solidFill>
+              </a:uFill>
+              <a:latin typeface="Arial"/>
+            </a:endParaRPr>
+          </a:p>
+          <a:p>
+            <a:endParaRPr b="0" lang="en-US" sz="1800" spc="-1" strike="noStrike">
+              <a:solidFill>
+                <a:srgbClr val="000000"/>
+              </a:solidFill>
+              <a:uFill>
+                <a:solidFill>
+                  <a:srgbClr val="ffffff"/>
+                </a:solidFill>
+              </a:uFill>
+              <a:latin typeface="Arial"/>
+            </a:endParaRPr>
+          </a:p>
+          <a:p>
+            <a:r>
+              <a:rPr b="0" lang="en-US" sz="1800" spc="-1" strike="noStrike">
+                <a:solidFill>
+                  <a:srgbClr val="000000"/>
+                </a:solidFill>
+                <a:uFill>
+                  <a:solidFill>
+                    <a:srgbClr val="ffffff"/>
+                  </a:solidFill>
+                </a:uFill>
+                <a:latin typeface="Arial"/>
+              </a:rPr>
+              <a:t>   </a:t>
+            </a:r>
+            <a:r>
+              <a:rPr b="0" lang="en-US" sz="1800" spc="-1" strike="noStrike">
+                <a:solidFill>
+                  <a:srgbClr val="000000"/>
+                </a:solidFill>
+                <a:uFill>
+                  <a:solidFill>
+                    <a:srgbClr val="ffffff"/>
+                  </a:solidFill>
+                </a:uFill>
+                <a:latin typeface="Arial"/>
+              </a:rPr>
+              <a:t>public void onClick(View view) {</a:t>
+            </a:r>
+            <a:endParaRPr b="0" lang="en-US" sz="1800" spc="-1" strike="noStrike">
+              <a:solidFill>
+                <a:srgbClr val="000000"/>
+              </a:solidFill>
+              <a:uFill>
+                <a:solidFill>
+                  <a:srgbClr val="ffffff"/>
+                </a:solidFill>
+              </a:uFill>
+              <a:latin typeface="Arial"/>
+            </a:endParaRPr>
+          </a:p>
+          <a:p>
+            <a:r>
+              <a:rPr b="0" lang="en-US" sz="1800" spc="-1" strike="noStrike">
+                <a:solidFill>
+                  <a:srgbClr val="000000"/>
+                </a:solidFill>
+                <a:uFill>
+                  <a:solidFill>
+                    <a:srgbClr val="ffffff"/>
+                  </a:solidFill>
+                </a:uFill>
+                <a:latin typeface="Arial"/>
+              </a:rPr>
+              <a:t>       </a:t>
+            </a:r>
+            <a:r>
+              <a:rPr b="0" lang="en-US" sz="1800" spc="-1" strike="noStrike">
+                <a:solidFill>
+                  <a:srgbClr val="000000"/>
+                </a:solidFill>
+                <a:uFill>
+                  <a:solidFill>
+                    <a:srgbClr val="ffffff"/>
+                  </a:solidFill>
+                </a:uFill>
+                <a:latin typeface="Arial"/>
+              </a:rPr>
+              <a:t>// do something</a:t>
+            </a:r>
+            <a:endParaRPr b="0" lang="en-US" sz="1800" spc="-1" strike="noStrike">
+              <a:solidFill>
+                <a:srgbClr val="000000"/>
+              </a:solidFill>
+              <a:uFill>
+                <a:solidFill>
+                  <a:srgbClr val="ffffff"/>
+                </a:solidFill>
+              </a:uFill>
+              <a:latin typeface="Arial"/>
+            </a:endParaRPr>
+          </a:p>
+          <a:p>
+            <a:r>
+              <a:rPr b="0" lang="en-US" sz="1800" spc="-1" strike="noStrike">
+                <a:solidFill>
+                  <a:srgbClr val="000000"/>
+                </a:solidFill>
+                <a:uFill>
+                  <a:solidFill>
+                    <a:srgbClr val="ffffff"/>
+                  </a:solidFill>
+                </a:uFill>
+                <a:latin typeface="Arial"/>
+              </a:rPr>
+              <a:t>    </a:t>
+            </a:r>
+            <a:r>
+              <a:rPr b="0" lang="en-US" sz="1800" spc="-1" strike="noStrike">
+                <a:solidFill>
+                  <a:srgbClr val="000000"/>
+                </a:solidFill>
+                <a:uFill>
+                  <a:solidFill>
+                    <a:srgbClr val="ffffff"/>
+                  </a:solidFill>
+                </a:uFill>
+                <a:latin typeface="Arial"/>
+              </a:rPr>
+              <a:t>}</a:t>
+            </a:r>
+            <a:endParaRPr b="0" lang="en-US" sz="1800" spc="-1" strike="noStrike">
+              <a:solidFill>
+                <a:srgbClr val="000000"/>
+              </a:solidFill>
+              <a:uFill>
+                <a:solidFill>
+                  <a:srgbClr val="ffffff"/>
+                </a:solidFill>
+              </a:uFill>
+              <a:latin typeface="Arial"/>
+            </a:endParaRPr>
+          </a:p>
+          <a:p>
+            <a:r>
+              <a:rPr b="0" lang="en-US" sz="1800" spc="-1" strike="noStrike">
+                <a:solidFill>
+                  <a:srgbClr val="000000"/>
+                </a:solidFill>
+                <a:uFill>
+                  <a:solidFill>
+                    <a:srgbClr val="ffffff"/>
+                  </a:solidFill>
+                </a:uFill>
+                <a:latin typeface="Arial"/>
+              </a:rPr>
+              <a:t>}</a:t>
+            </a:r>
+            <a:endParaRPr b="0" lang="en-US" sz="1800" spc="-1" strike="noStrike">
+              <a:solidFill>
+                <a:srgbClr val="000000"/>
+              </a:solidFill>
+              <a:uFill>
+                <a:solidFill>
+                  <a:srgbClr val="ffffff"/>
+                </a:solidFill>
+              </a:uFill>
+              <a:latin typeface="Arial"/>
+            </a:endParaRPr>
+          </a:p>
+        </p:txBody>
+      </p:sp>
+      <p:sp>
+        <p:nvSpPr>
+          <p:cNvPr id="75" name="TextShape 5"/>
+          <p:cNvSpPr txBox="1"/>
+          <p:nvPr/>
+        </p:nvSpPr>
+        <p:spPr>
+          <a:xfrm>
+            <a:off x="3017520" y="3200400"/>
+            <a:ext cx="421200" cy="602280"/>
+          </a:xfrm>
+          <a:prstGeom prst="rect">
+            <a:avLst/>
+          </a:prstGeom>
+          <a:noFill/>
+          <a:ln>
+            <a:noFill/>
+          </a:ln>
+        </p:spPr>
+        <p:txBody>
+          <a:bodyPr lIns="90000" rIns="90000" tIns="45000" bIns="45000"/>
+          <a:p>
+            <a:r>
+              <a:rPr b="0" lang="en-US" sz="1800" spc="-1" strike="noStrike">
+                <a:solidFill>
+                  <a:srgbClr val="000000"/>
+                </a:solidFill>
+                <a:uFill>
+                  <a:solidFill>
+                    <a:srgbClr val="ffffff"/>
+                  </a:solidFill>
+                </a:uFill>
+                <a:latin typeface="Arial"/>
+              </a:rPr>
+              <a:t>1)</a:t>
+            </a:r>
+            <a:endParaRPr b="0" lang="en-US" sz="1800" spc="-1" strike="noStrike">
+              <a:solidFill>
+                <a:srgbClr val="000000"/>
+              </a:solidFill>
+              <a:uFill>
+                <a:solidFill>
+                  <a:srgbClr val="ffffff"/>
+                </a:solidFill>
+              </a:uFill>
+              <a:latin typeface="Arial"/>
+            </a:endParaRPr>
+          </a:p>
+        </p:txBody>
+      </p:sp>
+      <p:sp>
+        <p:nvSpPr>
+          <p:cNvPr id="76" name="TextShape 6"/>
+          <p:cNvSpPr txBox="1"/>
+          <p:nvPr/>
+        </p:nvSpPr>
+        <p:spPr>
+          <a:xfrm>
+            <a:off x="2962080" y="4792680"/>
+            <a:ext cx="421200" cy="602280"/>
+          </a:xfrm>
+          <a:prstGeom prst="rect">
+            <a:avLst/>
+          </a:prstGeom>
+          <a:noFill/>
+          <a:ln>
+            <a:noFill/>
+          </a:ln>
+        </p:spPr>
+        <p:txBody>
+          <a:bodyPr lIns="90000" rIns="90000" tIns="45000" bIns="45000"/>
+          <a:p>
+            <a:r>
+              <a:rPr b="0" lang="en-US" sz="1800" spc="-1" strike="noStrike">
+                <a:solidFill>
+                  <a:srgbClr val="000000"/>
+                </a:solidFill>
+                <a:uFill>
+                  <a:solidFill>
+                    <a:srgbClr val="ffffff"/>
+                  </a:solidFill>
+                </a:uFill>
+                <a:latin typeface="Arial"/>
+              </a:rPr>
+              <a:t>2)</a:t>
+            </a:r>
+            <a:endParaRPr b="0" lang="en-US" sz="1800" spc="-1" strike="noStrike">
+              <a:solidFill>
+                <a:srgbClr val="000000"/>
+              </a:solidFill>
+              <a:uFill>
+                <a:solidFill>
+                  <a:srgbClr val="ffffff"/>
+                </a:solidFill>
+              </a:uFill>
+              <a:latin typeface="Arial"/>
+            </a:endParaRPr>
+          </a:p>
+        </p:txBody>
+      </p:sp>
+    </p:spTree>
+  </p:cSld>
+  <p:timing>
+    <p:tnLst>
+      <p:par>
+        <p:cTn id="15" dur="indefinite" restart="never" nodeType="tmRoot">
+          <p:childTnLst>
+            <p:seq>
+              <p:cTn id="16" nodeType="mainSeq"/>
+              <p:prevCondLst>
+                <p:cond delay="0" evt="onPrev">
+                  <p:tgtEl>
+                    <p:sldTgt/>
+                  </p:tgtEl>
+                </p:cond>
+              </p:prevCondLst>
+              <p:nextCondLst>
+                <p:cond delay="0" evt="onNext">
+                  <p:tgtEl>
+                    <p:sldTgt/>
+                  </p:tgtEl>
+                </p:cond>
+              </p:nextCondLst>
+            </p:seq>
+          </p:childTnLst>
+        </p:cTn>
+      </p:par>
+    </p:tnLst>
+  </p:timing>
+</p:sld>
+</file>
+
+<file path=ppt/slides/slide11.xml><?xml version="1.0" encoding="utf-8"?>
+<p:sld xmlns:a="http://schemas.openxmlformats.org/drawingml/2006/main" xmlns:p="http://schemas.openxmlformats.org/presentationml/2006/main" xmlns:r="http://schemas.openxmlformats.org/officeDocument/2006/relationships" xmlns:p14="http://schemas.microsoft.com/office/powerpoint/2010/main" xmlns:p15="http://schemas.microsoft.com/office/powerpoint/2012/main" xmlns:mc="http://schemas.openxmlformats.org/markup-compatibility/2006">
+  <p:cSld>
+    <p:spTree>
+      <p:nvGrpSpPr>
+        <p:cNvPr id="1" name=""/>
+        <p:cNvGrpSpPr/>
+        <p:nvPr/>
+      </p:nvGrpSpPr>
+      <p:grpSpPr>
+        <a:xfrm>
+          <a:off x="0" y="0"/>
+          <a:ext cx="0" cy="0"/>
+          <a:chOff x="0" y="0"/>
+          <a:chExt cx="0" cy="0"/>
+        </a:xfrm>
+      </p:grpSpPr>
+      <p:sp>
+        <p:nvSpPr>
+          <p:cNvPr id="77" name="TextShape 1"/>
+          <p:cNvSpPr txBox="1"/>
+          <p:nvPr/>
+        </p:nvSpPr>
+        <p:spPr>
+          <a:xfrm>
+            <a:off x="504000" y="301320"/>
+            <a:ext cx="9071640" cy="1262160"/>
+          </a:xfrm>
+          <a:prstGeom prst="rect">
+            <a:avLst/>
+          </a:prstGeom>
+          <a:noFill/>
+          <a:ln>
+            <a:noFill/>
+          </a:ln>
+        </p:spPr>
+        <p:txBody>
+          <a:bodyPr lIns="0" rIns="0" tIns="0" bIns="0" anchor="ctr"/>
+          <a:p>
+            <a:pPr algn="ctr"/>
+            <a:r>
+              <a:rPr b="0" lang="en-US" sz="4400" spc="-1" strike="noStrike">
+                <a:solidFill>
+                  <a:srgbClr val="000000"/>
+                </a:solidFill>
+                <a:uFill>
+                  <a:solidFill>
+                    <a:srgbClr val="ffffff"/>
+                  </a:solidFill>
+                </a:uFill>
+                <a:latin typeface="Arial"/>
+              </a:rPr>
+              <a:t>Example of Src file</a:t>
+            </a:r>
+            <a:endParaRPr b="0" lang="en-US" sz="4400" spc="-1" strike="noStrike">
+              <a:solidFill>
+                <a:srgbClr val="000000"/>
+              </a:solidFill>
+              <a:uFill>
+                <a:solidFill>
+                  <a:srgbClr val="ffffff"/>
+                </a:solidFill>
+              </a:uFill>
+              <a:latin typeface="Arial"/>
+            </a:endParaRPr>
+          </a:p>
+        </p:txBody>
+      </p:sp>
+      <p:pic>
+        <p:nvPicPr>
+          <p:cNvPr id="78" name="" descr=""/>
+          <p:cNvPicPr/>
+          <p:nvPr/>
+        </p:nvPicPr>
+        <p:blipFill>
+          <a:blip r:embed="rId1"/>
+          <a:stretch/>
+        </p:blipFill>
+        <p:spPr>
+          <a:xfrm>
+            <a:off x="2244960" y="1600560"/>
+            <a:ext cx="5676480" cy="4419360"/>
+          </a:xfrm>
+          <a:prstGeom prst="rect">
+            <a:avLst/>
+          </a:prstGeom>
+          <a:ln>
+            <a:noFill/>
+          </a:ln>
+        </p:spPr>
+      </p:pic>
+      <p:sp>
+        <p:nvSpPr>
+          <p:cNvPr id="79" name="Line 2"/>
+          <p:cNvSpPr/>
+          <p:nvPr/>
+        </p:nvSpPr>
+        <p:spPr>
+          <a:xfrm flipH="1">
+            <a:off x="6400800" y="4206240"/>
+            <a:ext cx="548640" cy="457200"/>
+          </a:xfrm>
+          <a:prstGeom prst="line">
+            <a:avLst/>
+          </a:prstGeom>
+          <a:ln>
+            <a:solidFill>
+              <a:srgbClr val="000000"/>
+            </a:solidFill>
+            <a:tailEnd len="med" type="triangle" w="med"/>
+          </a:ln>
+        </p:spPr>
+        <p:style>
+          <a:lnRef idx="0"/>
+          <a:fillRef idx="0"/>
+          <a:effectRef idx="0"/>
+          <a:fontRef idx="minor"/>
+        </p:style>
+      </p:sp>
+      <p:sp>
+        <p:nvSpPr>
+          <p:cNvPr id="80" name="CustomShape 3"/>
+          <p:cNvSpPr/>
+          <p:nvPr/>
+        </p:nvSpPr>
+        <p:spPr>
+          <a:xfrm>
+            <a:off x="4480560" y="4572000"/>
+            <a:ext cx="1920240" cy="182880"/>
+          </a:xfrm>
+          <a:prstGeom prst="rect">
+            <a:avLst/>
+          </a:prstGeom>
+          <a:noFill/>
+          <a:ln w="57240">
+            <a:solidFill>
+              <a:srgbClr val="ff3333"/>
+            </a:solidFill>
+            <a:round/>
+          </a:ln>
+        </p:spPr>
+        <p:style>
+          <a:lnRef idx="0"/>
+          <a:fillRef idx="0"/>
+          <a:effectRef idx="0"/>
+          <a:fontRef idx="minor"/>
+        </p:style>
+      </p:sp>
+      <p:sp>
+        <p:nvSpPr>
+          <p:cNvPr id="81" name="TextShape 4"/>
+          <p:cNvSpPr txBox="1"/>
+          <p:nvPr/>
+        </p:nvSpPr>
+        <p:spPr>
+          <a:xfrm>
+            <a:off x="6949440" y="3566160"/>
+            <a:ext cx="1737360" cy="1004400"/>
+          </a:xfrm>
+          <a:prstGeom prst="rect">
+            <a:avLst/>
+          </a:prstGeom>
+          <a:noFill/>
+          <a:ln>
+            <a:noFill/>
+          </a:ln>
+        </p:spPr>
+        <p:txBody>
+          <a:bodyPr lIns="90000" rIns="90000" tIns="45000" bIns="45000"/>
+          <a:p>
+            <a:r>
+              <a:rPr b="0" lang="en-US" sz="1800" spc="-1" strike="noStrike">
+                <a:solidFill>
+                  <a:srgbClr val="000000"/>
+                </a:solidFill>
+                <a:uFill>
+                  <a:solidFill>
+                    <a:srgbClr val="ffffff"/>
+                  </a:solidFill>
+                </a:uFill>
+                <a:latin typeface="Arial"/>
+              </a:rPr>
+              <a:t>Gets a resource ID</a:t>
+            </a:r>
+            <a:endParaRPr b="0" lang="en-US" sz="1800" spc="-1" strike="noStrike">
+              <a:solidFill>
+                <a:srgbClr val="000000"/>
+              </a:solidFill>
+              <a:uFill>
+                <a:solidFill>
+                  <a:srgbClr val="ffffff"/>
+                </a:solidFill>
+              </a:uFill>
+              <a:latin typeface="Arial"/>
+            </a:endParaRPr>
+          </a:p>
+        </p:txBody>
+      </p:sp>
+      <p:sp>
+        <p:nvSpPr>
+          <p:cNvPr id="82" name="Line 5"/>
+          <p:cNvSpPr/>
+          <p:nvPr/>
+        </p:nvSpPr>
+        <p:spPr>
+          <a:xfrm>
+            <a:off x="2103120" y="3383280"/>
+            <a:ext cx="1920240" cy="548640"/>
+          </a:xfrm>
+          <a:prstGeom prst="line">
+            <a:avLst/>
+          </a:prstGeom>
+          <a:ln>
+            <a:solidFill>
+              <a:srgbClr val="000000"/>
+            </a:solidFill>
+            <a:tailEnd len="med" type="triangle" w="med"/>
+          </a:ln>
+        </p:spPr>
+        <p:style>
+          <a:lnRef idx="0"/>
+          <a:fillRef idx="0"/>
+          <a:effectRef idx="0"/>
+          <a:fontRef idx="minor"/>
+        </p:style>
+      </p:sp>
+      <p:sp>
+        <p:nvSpPr>
+          <p:cNvPr id="83" name="CustomShape 6"/>
+          <p:cNvSpPr/>
+          <p:nvPr/>
+        </p:nvSpPr>
+        <p:spPr>
+          <a:xfrm>
+            <a:off x="4023360" y="3876480"/>
+            <a:ext cx="1737360" cy="182880"/>
+          </a:xfrm>
+          <a:prstGeom prst="rect">
+            <a:avLst/>
+          </a:prstGeom>
+          <a:noFill/>
+          <a:ln w="57240">
+            <a:solidFill>
+              <a:srgbClr val="ff3333"/>
+            </a:solidFill>
+            <a:round/>
+          </a:ln>
+        </p:spPr>
+        <p:style>
+          <a:lnRef idx="0"/>
+          <a:fillRef idx="0"/>
+          <a:effectRef idx="0"/>
+          <a:fontRef idx="minor"/>
+        </p:style>
+      </p:sp>
+      <p:sp>
+        <p:nvSpPr>
+          <p:cNvPr id="84" name="TextShape 7"/>
+          <p:cNvSpPr txBox="1"/>
+          <p:nvPr/>
+        </p:nvSpPr>
+        <p:spPr>
+          <a:xfrm>
+            <a:off x="731520" y="2836080"/>
+            <a:ext cx="1737360" cy="1004400"/>
+          </a:xfrm>
+          <a:prstGeom prst="rect">
+            <a:avLst/>
+          </a:prstGeom>
+          <a:noFill/>
+          <a:ln>
+            <a:noFill/>
+          </a:ln>
+        </p:spPr>
+        <p:txBody>
+          <a:bodyPr lIns="90000" rIns="90000" tIns="45000" bIns="45000"/>
+          <a:p>
+            <a:r>
+              <a:rPr b="0" lang="en-US" sz="1800" spc="-1" strike="noStrike">
+                <a:solidFill>
+                  <a:srgbClr val="000000"/>
+                </a:solidFill>
+                <a:uFill>
+                  <a:solidFill>
+                    <a:srgbClr val="ffffff"/>
+                  </a:solidFill>
+                </a:uFill>
+                <a:latin typeface="Arial"/>
+              </a:rPr>
+              <a:t>Gets a layout resource</a:t>
+            </a:r>
+            <a:endParaRPr b="0" lang="en-US" sz="1800" spc="-1" strike="noStrike">
+              <a:solidFill>
+                <a:srgbClr val="000000"/>
+              </a:solidFill>
+              <a:uFill>
+                <a:solidFill>
+                  <a:srgbClr val="ffffff"/>
+                </a:solidFill>
+              </a:uFill>
+              <a:latin typeface="Arial"/>
+            </a:endParaRPr>
+          </a:p>
+        </p:txBody>
+      </p:sp>
+    </p:spTree>
+  </p:cSld>
+  <p:timing>
+    <p:tnLst>
+      <p:par>
+        <p:cTn id="17" dur="indefinite" restart="never" nodeType="tmRoot">
+          <p:childTnLst>
+            <p:seq>
+              <p:cTn id="18" nodeType="mainSeq"/>
+              <p:prevCondLst>
+                <p:cond delay="0" evt="onPrev">
+                  <p:tgtEl>
+                    <p:sldTgt/>
+                  </p:tgtEl>
+                </p:cond>
+              </p:prevCondLst>
+              <p:nextCondLst>
+                <p:cond delay="0" evt="onNext">
+                  <p:tgtEl>
+                    <p:sldTgt/>
+                  </p:tgtEl>
+                </p:cond>
+              </p:nextCondLst>
+            </p:seq>
+          </p:childTnLst>
+        </p:cTn>
+      </p:par>
+    </p:tnLst>
+  </p:timing>
+</p:sld>
+</file>
+
+<file path=ppt/slides/slide12.xml><?xml version="1.0" encoding="utf-8"?>
+<p:sld xmlns:a="http://schemas.openxmlformats.org/drawingml/2006/main" xmlns:p="http://schemas.openxmlformats.org/presentationml/2006/main" xmlns:r="http://schemas.openxmlformats.org/officeDocument/2006/relationships" xmlns:p14="http://schemas.microsoft.com/office/powerpoint/2010/main" xmlns:p15="http://schemas.microsoft.com/office/powerpoint/2012/main" xmlns:mc="http://schemas.openxmlformats.org/markup-compatibility/2006">
+  <p:cSld>
+    <p:spTree>
+      <p:nvGrpSpPr>
+        <p:cNvPr id="1" name=""/>
+        <p:cNvGrpSpPr/>
+        <p:nvPr/>
+      </p:nvGrpSpPr>
+      <p:grpSpPr>
+        <a:xfrm>
+          <a:off x="0" y="0"/>
+          <a:ext cx="0" cy="0"/>
+          <a:chOff x="0" y="0"/>
+          <a:chExt cx="0" cy="0"/>
+        </a:xfrm>
+      </p:grpSpPr>
+      <p:sp>
+        <p:nvSpPr>
+          <p:cNvPr id="85" name="TextShape 1"/>
+          <p:cNvSpPr txBox="1"/>
+          <p:nvPr/>
+        </p:nvSpPr>
+        <p:spPr>
+          <a:xfrm>
+            <a:off x="504000" y="301320"/>
+            <a:ext cx="9071640" cy="1262160"/>
+          </a:xfrm>
+          <a:prstGeom prst="rect">
+            <a:avLst/>
+          </a:prstGeom>
+          <a:noFill/>
+          <a:ln>
+            <a:noFill/>
+          </a:ln>
+        </p:spPr>
+        <p:txBody>
+          <a:bodyPr lIns="0" rIns="0" tIns="0" bIns="0" anchor="ctr"/>
+          <a:p>
+            <a:pPr algn="ctr"/>
+            <a:r>
+              <a:rPr b="0" lang="en-US" sz="4400" spc="-1" strike="noStrike">
+                <a:solidFill>
+                  <a:srgbClr val="000000"/>
+                </a:solidFill>
+                <a:uFill>
+                  <a:solidFill>
+                    <a:srgbClr val="ffffff"/>
+                  </a:solidFill>
+                </a:uFill>
+                <a:latin typeface="Arial"/>
+              </a:rPr>
+              <a:t>Reference Material</a:t>
+            </a:r>
+            <a:endParaRPr b="0" lang="en-US" sz="4400" spc="-1" strike="noStrike">
+              <a:solidFill>
+                <a:srgbClr val="000000"/>
+              </a:solidFill>
+              <a:uFill>
+                <a:solidFill>
+                  <a:srgbClr val="ffffff"/>
+                </a:solidFill>
+              </a:uFill>
+              <a:latin typeface="Arial"/>
+            </a:endParaRPr>
+          </a:p>
+        </p:txBody>
+      </p:sp>
+      <p:sp>
+        <p:nvSpPr>
+          <p:cNvPr id="86" name="TextShape 2"/>
+          <p:cNvSpPr txBox="1"/>
+          <p:nvPr/>
+        </p:nvSpPr>
+        <p:spPr>
+          <a:xfrm>
+            <a:off x="504000" y="1769040"/>
+            <a:ext cx="9071640" cy="4384440"/>
+          </a:xfrm>
+          <a:prstGeom prst="rect">
+            <a:avLst/>
+          </a:prstGeom>
+          <a:noFill/>
+          <a:ln>
+            <a:noFill/>
+          </a:ln>
+        </p:spPr>
+        <p:txBody>
+          <a:bodyPr lIns="0" rIns="0" tIns="0" bIns="0"/>
+          <a:p>
+            <a:pPr marL="432000" indent="-324000">
+              <a:buClr>
+                <a:srgbClr val="000000"/>
+              </a:buClr>
+              <a:buSzPct val="45000"/>
+              <a:buFont typeface="Wingdings" charset="2"/>
+              <a:buChar char=""/>
+            </a:pPr>
+            <a:r>
+              <a:rPr b="0" lang="en-US" sz="3200" spc="-1" strike="noStrike">
+                <a:solidFill>
+                  <a:srgbClr val="000000"/>
+                </a:solidFill>
+                <a:uFill>
+                  <a:solidFill>
+                    <a:srgbClr val="ffffff"/>
+                  </a:solidFill>
+                </a:uFill>
+                <a:latin typeface="Arial"/>
+              </a:rPr>
+              <a:t>For API references, tutorials, etc.</a:t>
+            </a:r>
+            <a:endParaRPr b="0" lang="en-US" sz="3200" spc="-1" strike="noStrike">
+              <a:solidFill>
+                <a:srgbClr val="000000"/>
+              </a:solidFill>
+              <a:uFill>
+                <a:solidFill>
+                  <a:srgbClr val="ffffff"/>
+                </a:solidFill>
+              </a:uFill>
+              <a:latin typeface="Arial"/>
+            </a:endParaRPr>
+          </a:p>
+          <a:p>
+            <a:pPr lvl="1" marL="864000" indent="-324000">
+              <a:buClr>
+                <a:srgbClr val="000000"/>
+              </a:buClr>
+              <a:buSzPct val="75000"/>
+              <a:buFont typeface="Symbol" charset="2"/>
+              <a:buChar char=""/>
+            </a:pPr>
+            <a:r>
+              <a:rPr b="0" lang="en-US" sz="2800" spc="-1" strike="noStrike">
+                <a:solidFill>
+                  <a:srgbClr val="000000"/>
+                </a:solidFill>
+                <a:uFill>
+                  <a:solidFill>
+                    <a:srgbClr val="ffffff"/>
+                  </a:solidFill>
+                </a:uFill>
+                <a:latin typeface="Arial"/>
+                <a:hlinkClick r:id="rId1"/>
+              </a:rPr>
+              <a:t>https://developer.android.com</a:t>
+            </a:r>
+            <a:endParaRPr b="0" lang="en-US" sz="2800" spc="-1" strike="noStrike">
+              <a:solidFill>
+                <a:srgbClr val="000000"/>
+              </a:solidFill>
+              <a:uFill>
+                <a:solidFill>
+                  <a:srgbClr val="ffffff"/>
+                </a:solidFill>
+              </a:uFill>
+              <a:latin typeface="Arial"/>
+            </a:endParaRPr>
+          </a:p>
+          <a:p>
+            <a:pPr marL="432000" indent="-324000">
+              <a:buClr>
+                <a:srgbClr val="000000"/>
+              </a:buClr>
+              <a:buSzPct val="45000"/>
+              <a:buFont typeface="Wingdings" charset="2"/>
+              <a:buChar char=""/>
+            </a:pPr>
+            <a:r>
+              <a:rPr b="0" lang="en-US" sz="3200" spc="-1" strike="noStrike">
+                <a:solidFill>
+                  <a:srgbClr val="000000"/>
+                </a:solidFill>
+                <a:uFill>
+                  <a:solidFill>
+                    <a:srgbClr val="ffffff"/>
+                  </a:solidFill>
+                </a:uFill>
+                <a:latin typeface="Arial"/>
+              </a:rPr>
+              <a:t>Training Tutorials:</a:t>
+            </a:r>
+            <a:endParaRPr b="0" lang="en-US" sz="3200" spc="-1" strike="noStrike">
+              <a:solidFill>
+                <a:srgbClr val="000000"/>
+              </a:solidFill>
+              <a:uFill>
+                <a:solidFill>
+                  <a:srgbClr val="ffffff"/>
+                </a:solidFill>
+              </a:uFill>
+              <a:latin typeface="Arial"/>
+            </a:endParaRPr>
+          </a:p>
+          <a:p>
+            <a:pPr lvl="1" marL="864000" indent="-324000">
+              <a:buClr>
+                <a:srgbClr val="000000"/>
+              </a:buClr>
+              <a:buSzPct val="75000"/>
+              <a:buFont typeface="Symbol" charset="2"/>
+              <a:buChar char=""/>
+            </a:pPr>
+            <a:r>
+              <a:rPr b="0" lang="en-US" sz="2800" spc="-1" strike="noStrike">
+                <a:solidFill>
+                  <a:srgbClr val="000000"/>
+                </a:solidFill>
+                <a:uFill>
+                  <a:solidFill>
+                    <a:srgbClr val="ffffff"/>
+                  </a:solidFill>
+                </a:uFill>
+                <a:latin typeface="Arial"/>
+                <a:hlinkClick r:id="rId2"/>
+              </a:rPr>
+              <a:t>https://developer.android.com/guide/components/fundamentals.html</a:t>
+            </a:r>
+            <a:endParaRPr b="0" lang="en-US" sz="2800" spc="-1" strike="noStrike">
+              <a:solidFill>
+                <a:srgbClr val="000000"/>
+              </a:solidFill>
+              <a:uFill>
+                <a:solidFill>
+                  <a:srgbClr val="ffffff"/>
+                </a:solidFill>
+              </a:uFill>
+              <a:latin typeface="Arial"/>
+            </a:endParaRPr>
+          </a:p>
+        </p:txBody>
+      </p:sp>
+    </p:spTree>
+  </p:cSld>
+  <p:timing>
+    <p:tnLst>
+      <p:par>
+        <p:cTn id="19" dur="indefinite" restart="never" nodeType="tmRoot">
+          <p:childTnLst>
+            <p:seq>
+              <p:cTn id="20" nodeType="mainSeq"/>
               <p:prevCondLst>
                 <p:cond delay="0" evt="onPrev">
                   <p:tgtEl>
@@ -2350,7 +3955,7 @@
       </p:grpSpPr>
       <p:sp>
         <p:nvSpPr>
-          <p:cNvPr id="41" name="TextShape 1"/>
+          <p:cNvPr id="42" name="TextShape 1"/>
           <p:cNvSpPr txBox="1"/>
           <p:nvPr/>
         </p:nvSpPr>
@@ -2401,7 +4006,7 @@
       </p:sp>
       <p:pic>
         <p:nvPicPr>
-          <p:cNvPr id="42" name="" descr=""/>
+          <p:cNvPr id="43" name="" descr=""/>
           <p:cNvPicPr/>
           <p:nvPr/>
         </p:nvPicPr>
@@ -2424,7 +4029,7 @@
       </p:pic>
       <p:sp>
         <p:nvSpPr>
-          <p:cNvPr id="43" name="TextShape 2"/>
+          <p:cNvPr id="44" name="TextShape 2"/>
           <p:cNvSpPr txBox="1"/>
           <p:nvPr/>
         </p:nvSpPr>
@@ -2523,7 +4128,7 @@
       </p:grpSpPr>
       <p:sp>
         <p:nvSpPr>
-          <p:cNvPr id="44" name="TextShape 1"/>
+          <p:cNvPr id="45" name="TextShape 1"/>
           <p:cNvSpPr txBox="1"/>
           <p:nvPr/>
         </p:nvSpPr>
@@ -2556,7 +4161,7 @@
                 </a:uFill>
                 <a:latin typeface="Arial"/>
               </a:rPr>
-              <a:t>Android Activity Life Cycle</a:t>
+              <a:t>App Components</a:t>
             </a:r>
             <a:endParaRPr b="0" lang="en-US" sz="4400" spc="-1" strike="noStrike">
               <a:solidFill>
@@ -2574,14 +4179,14 @@
       </p:sp>
       <p:sp>
         <p:nvSpPr>
-          <p:cNvPr id="45" name="TextShape 2"/>
+          <p:cNvPr id="46" name="TextShape 2"/>
           <p:cNvSpPr txBox="1"/>
           <p:nvPr/>
         </p:nvSpPr>
         <p:spPr>
           <a:xfrm>
-            <a:off x="1005840" y="6858000"/>
-            <a:ext cx="7650000" cy="346680"/>
+            <a:off x="504000" y="1769040"/>
+            <a:ext cx="9071640" cy="4384440"/>
           </a:xfrm>
           <a:prstGeom prst="rect">
             <a:avLst/>
@@ -2592,88 +4197,221 @@
           </a:ln>
         </p:spPr>
         <p:txBody>
-          <a:bodyPr lIns="90000" rIns="90000" tIns="45000" bIns="45000"/>
-          <a:p>
-            <a:r>
-              <a:rPr b="0" lang="en-US" sz="1800" spc="-1" strike="noStrike">
-                <a:solidFill>
-                  <a:srgbClr val="000000"/>
-                </a:solidFill>
-                <a:uFill>
-                  <a:solidFill>
-                    <a:srgbClr val="ffffff"/>
-                  </a:solidFill>
-                </a:uFill>
-                <a:latin typeface="Arial"/>
-              </a:rPr>
-              <a:t>https://developer.android.com/guide/components/activities.html</a:t>
-            </a:r>
-            <a:endParaRPr b="0" lang="en-US" sz="1800" spc="-1" strike="noStrike">
-              <a:solidFill>
-                <a:srgbClr val="000000"/>
-              </a:solidFill>
-              <a:uFill>
-                <a:solidFill>
-                  <a:srgbClr val="ffffff"/>
-                </a:solidFill>
-              </a:uFill>
-              <a:latin typeface="Arial"/>
-            </a:endParaRPr>
-          </a:p>
-        </p:txBody>
-      </p:sp>
-      <p:pic>
-        <p:nvPicPr>
-          <p:cNvPr id="46" name="" descr=""/>
-          <p:cNvPicPr/>
-          <p:nvPr/>
-        </p:nvPicPr>
-        <p:blipFill>
-          <a:blip r:embed="rId1"/>
-          <a:stretch/>
-        </p:blipFill>
-        <p:spPr>
-          <a:xfrm>
-            <a:off x="2860560" y="1188720"/>
-            <a:ext cx="4271760" cy="5520600"/>
-          </a:xfrm>
-          <a:prstGeom prst="rect">
-            <a:avLst/>
-          </a:prstGeom>
-          <a:ln>
-            <a:noFill/>
-          </a:ln>
-        </p:spPr>
-      </p:pic>
+          <a:bodyPr lIns="0" rIns="0" tIns="0" bIns="0"/>
+          <a:p>
+            <a:pPr marL="432000" indent="-324000">
+              <a:buClr>
+                <a:srgbClr val="000000"/>
+              </a:buClr>
+              <a:buSzPct val="45000"/>
+              <a:buFont typeface="Wingdings" charset="2"/>
+              <a:buChar char=""/>
+            </a:pPr>
+            <a:r>
+              <a:rPr b="0" lang="en-US" sz="3200" spc="-1" strike="noStrike">
+                <a:solidFill>
+                  <a:srgbClr val="000000"/>
+                </a:solidFill>
+                <a:uFill>
+                  <a:solidFill>
+                    <a:srgbClr val="ffffff"/>
+                  </a:solidFill>
+                </a:uFill>
+                <a:latin typeface="Arial"/>
+              </a:rPr>
+              <a:t>Activity – App entry point, visible interface to </a:t>
+            </a:r>
+            <a:r>
+              <a:rPr b="0" lang="en-US" sz="3200" spc="-1" strike="noStrike">
+                <a:solidFill>
+                  <a:srgbClr val="000000"/>
+                </a:solidFill>
+                <a:uFill>
+                  <a:solidFill>
+                    <a:srgbClr val="ffffff"/>
+                  </a:solidFill>
+                </a:uFill>
+                <a:latin typeface="Arial"/>
+              </a:rPr>
+              <a:t>user, where all the action is</a:t>
+            </a:r>
+            <a:endParaRPr b="0" lang="en-US" sz="3200" spc="-1" strike="noStrike">
+              <a:solidFill>
+                <a:srgbClr val="000000"/>
+              </a:solidFill>
+              <a:uFill>
+                <a:solidFill>
+                  <a:srgbClr val="ffffff"/>
+                </a:solidFill>
+              </a:uFill>
+              <a:latin typeface="Arial"/>
+            </a:endParaRPr>
+          </a:p>
+          <a:p>
+            <a:pPr marL="432000" indent="-324000">
+              <a:buClr>
+                <a:srgbClr val="000000"/>
+              </a:buClr>
+              <a:buSzPct val="45000"/>
+              <a:buFont typeface="Wingdings" charset="2"/>
+              <a:buChar char=""/>
+            </a:pPr>
+            <a:r>
+              <a:rPr b="0" lang="en-US" sz="3200" spc="-1" strike="noStrike">
+                <a:solidFill>
+                  <a:srgbClr val="000000"/>
+                </a:solidFill>
+                <a:uFill>
+                  <a:solidFill>
+                    <a:srgbClr val="ffffff"/>
+                  </a:solidFill>
+                </a:uFill>
+                <a:latin typeface="Arial"/>
+              </a:rPr>
+              <a:t>Service – Runs tasks in the background (also </a:t>
+            </a:r>
+            <a:r>
+              <a:rPr b="0" lang="en-US" sz="3200" spc="-1" strike="noStrike">
+                <a:solidFill>
+                  <a:srgbClr val="000000"/>
+                </a:solidFill>
+                <a:uFill>
+                  <a:solidFill>
+                    <a:srgbClr val="ffffff"/>
+                  </a:solidFill>
+                </a:uFill>
+                <a:latin typeface="Arial"/>
+              </a:rPr>
+              <a:t>possible App entry point)</a:t>
+            </a:r>
+            <a:endParaRPr b="0" lang="en-US" sz="3200" spc="-1" strike="noStrike">
+              <a:solidFill>
+                <a:srgbClr val="000000"/>
+              </a:solidFill>
+              <a:uFill>
+                <a:solidFill>
+                  <a:srgbClr val="ffffff"/>
+                </a:solidFill>
+              </a:uFill>
+              <a:latin typeface="Arial"/>
+            </a:endParaRPr>
+          </a:p>
+          <a:p>
+            <a:pPr marL="432000" indent="-324000">
+              <a:buClr>
+                <a:srgbClr val="000000"/>
+              </a:buClr>
+              <a:buSzPct val="45000"/>
+              <a:buFont typeface="Wingdings" charset="2"/>
+              <a:buChar char=""/>
+            </a:pPr>
+            <a:r>
+              <a:rPr b="0" lang="en-US" sz="3200" spc="-1" strike="noStrike">
+                <a:solidFill>
+                  <a:srgbClr val="000000"/>
+                </a:solidFill>
+                <a:uFill>
+                  <a:solidFill>
+                    <a:srgbClr val="ffffff"/>
+                  </a:solidFill>
+                </a:uFill>
+                <a:latin typeface="Arial"/>
+              </a:rPr>
+              <a:t>Broadcast Receiver – Enables delivering events </a:t>
+            </a:r>
+            <a:r>
+              <a:rPr b="0" lang="en-US" sz="3200" spc="-1" strike="noStrike">
+                <a:solidFill>
+                  <a:srgbClr val="000000"/>
+                </a:solidFill>
+                <a:uFill>
+                  <a:solidFill>
+                    <a:srgbClr val="ffffff"/>
+                  </a:solidFill>
+                </a:uFill>
+                <a:latin typeface="Arial"/>
+              </a:rPr>
+              <a:t>outside regular user flow (can be used for </a:t>
+            </a:r>
+            <a:r>
+              <a:rPr b="0" lang="en-US" sz="3200" spc="-1" strike="noStrike">
+                <a:solidFill>
+                  <a:srgbClr val="000000"/>
+                </a:solidFill>
+                <a:uFill>
+                  <a:solidFill>
+                    <a:srgbClr val="ffffff"/>
+                  </a:solidFill>
+                </a:uFill>
+                <a:latin typeface="Arial"/>
+              </a:rPr>
+              <a:t>cross-app communication)</a:t>
+            </a:r>
+            <a:endParaRPr b="0" lang="en-US" sz="3200" spc="-1" strike="noStrike">
+              <a:solidFill>
+                <a:srgbClr val="000000"/>
+              </a:solidFill>
+              <a:uFill>
+                <a:solidFill>
+                  <a:srgbClr val="ffffff"/>
+                </a:solidFill>
+              </a:uFill>
+              <a:latin typeface="Arial"/>
+            </a:endParaRPr>
+          </a:p>
+          <a:p>
+            <a:pPr marL="432000" indent="-324000">
+              <a:buClr>
+                <a:srgbClr val="000000"/>
+              </a:buClr>
+              <a:buSzPct val="45000"/>
+              <a:buFont typeface="Wingdings" charset="2"/>
+              <a:buChar char=""/>
+            </a:pPr>
+            <a:r>
+              <a:rPr b="0" lang="en-US" sz="3200" spc="-1" strike="noStrike">
+                <a:solidFill>
+                  <a:srgbClr val="000000"/>
+                </a:solidFill>
+                <a:uFill>
+                  <a:solidFill>
+                    <a:srgbClr val="ffffff"/>
+                  </a:solidFill>
+                </a:uFill>
+                <a:latin typeface="Arial"/>
+              </a:rPr>
+              <a:t>Content Provider – Holds data typically shared </a:t>
+            </a:r>
+            <a:r>
+              <a:rPr b="0" lang="en-US" sz="3200" spc="-1" strike="noStrike">
+                <a:solidFill>
+                  <a:srgbClr val="000000"/>
+                </a:solidFill>
+                <a:uFill>
+                  <a:solidFill>
+                    <a:srgbClr val="ffffff"/>
+                  </a:solidFill>
+                </a:uFill>
+                <a:latin typeface="Arial"/>
+              </a:rPr>
+              <a:t>between apps</a:t>
+            </a:r>
+            <a:endParaRPr b="0" lang="en-US" sz="3200" spc="-1" strike="noStrike">
+              <a:solidFill>
+                <a:srgbClr val="000000"/>
+              </a:solidFill>
+              <a:uFill>
+                <a:solidFill>
+                  <a:srgbClr val="ffffff"/>
+                </a:solidFill>
+              </a:uFill>
+              <a:latin typeface="Arial"/>
+            </a:endParaRPr>
+          </a:p>
+        </p:txBody>
+      </p:sp>
     </p:spTree>
   </p:cSld>
-  <p:timing>
-    <p:tnLst>
-      <p:par>
-        <p:cTn id="5" dur="indefinite" restart="never" nodeType="tmRoot">
-          <p:childTnLst>
-            <p:seq>
-              <p:cTn id="6" nodeType="mainSeq"/>
-              <p:prevCondLst>
-                <p:cond delay="0" evt="onPrev">
-                  <p:tgtEl>
-                    <p:sldTgt/>
-                  </p:tgtEl>
-                </p:cond>
-              </p:prevCondLst>
-              <p:nextCondLst>
-                <p:cond delay="0" evt="onNext">
-                  <p:tgtEl>
-                    <p:sldTgt/>
-                  </p:tgtEl>
-                </p:cond>
-              </p:nextCondLst>
-            </p:seq>
-          </p:childTnLst>
-        </p:cTn>
-      </p:par>
-    </p:tnLst>
-  </p:timing>
 </p:sld>
 </file>
 
@@ -2729,7 +4467,7 @@
                 </a:uFill>
                 <a:latin typeface="Arial"/>
               </a:rPr>
-              <a:t>Resources</a:t>
+              <a:t>App Manifest</a:t>
             </a:r>
             <a:endParaRPr b="0" lang="en-US" sz="4400" spc="-1" strike="noStrike">
               <a:solidFill>
@@ -2745,759 +4483,60 @@
           </a:p>
         </p:txBody>
       </p:sp>
-      <p:sp>
-        <p:nvSpPr>
-          <p:cNvPr id="48" name="TextShape 2"/>
-          <p:cNvSpPr txBox="1"/>
+      <p:pic>
+        <p:nvPicPr>
+          <p:cNvPr id="48" name="" descr=""/>
+          <p:cNvPicPr/>
           <p:nvPr/>
-        </p:nvSpPr>
-        <p:spPr>
-          <a:xfrm>
-            <a:off x="504000" y="1769040"/>
-            <a:ext cx="9071640" cy="4384440"/>
-          </a:xfrm>
-          <a:prstGeom prst="rect">
-            <a:avLst/>
-          </a:prstGeom>
-          <a:noFill/>
+        </p:nvPicPr>
+        <p:blipFill>
+          <a:blip r:embed="rId1"/>
+          <a:stretch/>
+        </p:blipFill>
+        <p:spPr>
+          <a:xfrm>
+            <a:off x="559080" y="1481400"/>
+            <a:ext cx="9048240" cy="4657320"/>
+          </a:xfrm>
+          <a:prstGeom prst="rect">
+            <a:avLst/>
+          </a:prstGeom>
           <a:ln>
             <a:noFill/>
           </a:ln>
         </p:spPr>
-        <p:txBody>
-          <a:bodyPr lIns="0" rIns="0" tIns="0" bIns="0"/>
-          <a:p>
-            <a:pPr marL="432000" indent="-324000">
-              <a:buClr>
-                <a:srgbClr val="000000"/>
-              </a:buClr>
-              <a:buSzPct val="45000"/>
-              <a:buFont typeface="Wingdings" charset="2"/>
-              <a:buChar char=""/>
-            </a:pPr>
-            <a:r>
-              <a:rPr b="0" lang="en-US" sz="4000" spc="-1" strike="noStrike">
-                <a:solidFill>
-                  <a:srgbClr val="000000"/>
-                </a:solidFill>
-                <a:uFill>
-                  <a:solidFill>
-                    <a:srgbClr val="ffffff"/>
-                  </a:solidFill>
-                </a:uFill>
-                <a:latin typeface="Arial"/>
-              </a:rPr>
-              <a:t>MyProject/</a:t>
-            </a:r>
-            <a:endParaRPr b="0" lang="en-US" sz="3200" spc="-1" strike="noStrike">
-              <a:solidFill>
-                <a:srgbClr val="000000"/>
-              </a:solidFill>
-              <a:uFill>
-                <a:solidFill>
-                  <a:srgbClr val="ffffff"/>
-                </a:solidFill>
-              </a:uFill>
-              <a:latin typeface="Arial"/>
-            </a:endParaRPr>
-          </a:p>
-          <a:p>
-            <a:pPr marL="432000" indent="-324000">
-              <a:buClr>
-                <a:srgbClr val="000000"/>
-              </a:buClr>
-              <a:buSzPct val="45000"/>
-              <a:buFont typeface="Wingdings" charset="2"/>
-              <a:buChar char=""/>
-            </a:pPr>
-            <a:r>
-              <a:rPr b="0" lang="en-US" sz="3200" spc="-1" strike="noStrike">
-                <a:solidFill>
-                  <a:srgbClr val="000000"/>
-                </a:solidFill>
-                <a:uFill>
-                  <a:solidFill>
-                    <a:srgbClr val="ffffff"/>
-                  </a:solidFill>
-                </a:uFill>
-                <a:latin typeface="Arial"/>
-              </a:rPr>
-              <a:t>   </a:t>
-            </a:r>
-            <a:r>
-              <a:rPr b="1" lang="en-US" sz="3200" spc="-1" strike="noStrike">
-                <a:solidFill>
-                  <a:srgbClr val="000000"/>
-                </a:solidFill>
-                <a:uFill>
-                  <a:solidFill>
-                    <a:srgbClr val="ffffff"/>
-                  </a:solidFill>
-                </a:uFill>
-                <a:latin typeface="Arial"/>
-              </a:rPr>
-              <a:t> </a:t>
-            </a:r>
-            <a:r>
-              <a:rPr b="1" lang="en-US" sz="3200" spc="-1" strike="noStrike" u="sng">
-                <a:solidFill>
-                  <a:srgbClr val="000000"/>
-                </a:solidFill>
-                <a:uFill>
-                  <a:solidFill>
-                    <a:srgbClr val="ffffff"/>
-                  </a:solidFill>
-                </a:uFill>
-                <a:latin typeface="Arial"/>
-              </a:rPr>
-              <a:t>src/</a:t>
-            </a:r>
-            <a:r>
-              <a:rPr b="0" lang="en-US" sz="3200" spc="-1" strike="noStrike" u="sng">
-                <a:solidFill>
-                  <a:srgbClr val="000000"/>
-                </a:solidFill>
-                <a:uFill>
-                  <a:solidFill>
-                    <a:srgbClr val="ffffff"/>
-                  </a:solidFill>
-                </a:uFill>
-                <a:latin typeface="Arial"/>
-              </a:rPr>
-              <a:t>  </a:t>
-            </a:r>
-            <a:endParaRPr b="0" lang="en-US" sz="3200" spc="-1" strike="noStrike">
-              <a:solidFill>
-                <a:srgbClr val="000000"/>
-              </a:solidFill>
-              <a:uFill>
-                <a:solidFill>
-                  <a:srgbClr val="ffffff"/>
-                </a:solidFill>
-              </a:uFill>
-              <a:latin typeface="Arial"/>
-            </a:endParaRPr>
-          </a:p>
-          <a:p>
-            <a:pPr marL="432000" indent="-324000">
-              <a:buClr>
-                <a:srgbClr val="000000"/>
-              </a:buClr>
-              <a:buSzPct val="45000"/>
-              <a:buFont typeface="Wingdings" charset="2"/>
-              <a:buChar char=""/>
-            </a:pPr>
-            <a:r>
-              <a:rPr b="0" lang="en-US" sz="3200" spc="-1" strike="noStrike">
-                <a:solidFill>
-                  <a:srgbClr val="000000"/>
-                </a:solidFill>
-                <a:uFill>
-                  <a:solidFill>
-                    <a:srgbClr val="ffffff"/>
-                  </a:solidFill>
-                </a:uFill>
-                <a:latin typeface="Arial"/>
-              </a:rPr>
-              <a:t>        </a:t>
-            </a:r>
-            <a:r>
-              <a:rPr b="0" lang="en-US" sz="3200" spc="-1" strike="noStrike">
-                <a:solidFill>
-                  <a:srgbClr val="000000"/>
-                </a:solidFill>
-                <a:uFill>
-                  <a:solidFill>
-                    <a:srgbClr val="ffffff"/>
-                  </a:solidFill>
-                </a:uFill>
-                <a:latin typeface="Arial"/>
-              </a:rPr>
-              <a:t>MyActivity.java  </a:t>
-            </a:r>
-            <a:endParaRPr b="0" lang="en-US" sz="3200" spc="-1" strike="noStrike">
-              <a:solidFill>
-                <a:srgbClr val="000000"/>
-              </a:solidFill>
-              <a:uFill>
-                <a:solidFill>
-                  <a:srgbClr val="ffffff"/>
-                </a:solidFill>
-              </a:uFill>
-              <a:latin typeface="Arial"/>
-            </a:endParaRPr>
-          </a:p>
-          <a:p>
-            <a:pPr marL="432000" indent="-324000">
-              <a:buClr>
-                <a:srgbClr val="000000"/>
-              </a:buClr>
-              <a:buSzPct val="45000"/>
-              <a:buFont typeface="Wingdings" charset="2"/>
-              <a:buChar char=""/>
-            </a:pPr>
-            <a:r>
-              <a:rPr b="0" lang="en-US" sz="3200" spc="-1" strike="noStrike">
-                <a:solidFill>
-                  <a:srgbClr val="000000"/>
-                </a:solidFill>
-                <a:uFill>
-                  <a:solidFill>
-                    <a:srgbClr val="ffffff"/>
-                  </a:solidFill>
-                </a:uFill>
-                <a:latin typeface="Arial"/>
-              </a:rPr>
-              <a:t>    </a:t>
-            </a:r>
-            <a:r>
-              <a:rPr b="1" lang="en-US" sz="3200" spc="-1" strike="noStrike" u="sng">
-                <a:solidFill>
-                  <a:srgbClr val="000000"/>
-                </a:solidFill>
-                <a:uFill>
-                  <a:solidFill>
-                    <a:srgbClr val="ffffff"/>
-                  </a:solidFill>
-                </a:uFill>
-                <a:latin typeface="Arial"/>
-              </a:rPr>
-              <a:t>res/</a:t>
-            </a:r>
-            <a:endParaRPr b="0" lang="en-US" sz="3200" spc="-1" strike="noStrike">
-              <a:solidFill>
-                <a:srgbClr val="000000"/>
-              </a:solidFill>
-              <a:uFill>
-                <a:solidFill>
-                  <a:srgbClr val="ffffff"/>
-                </a:solidFill>
-              </a:uFill>
-              <a:latin typeface="Arial"/>
-            </a:endParaRPr>
-          </a:p>
-          <a:p>
-            <a:pPr marL="432000" indent="-324000">
-              <a:buClr>
-                <a:srgbClr val="000000"/>
-              </a:buClr>
-              <a:buSzPct val="45000"/>
-              <a:buFont typeface="Wingdings" charset="2"/>
-              <a:buChar char=""/>
-            </a:pPr>
-            <a:r>
-              <a:rPr b="0" lang="en-US" sz="3200" spc="-1" strike="noStrike">
-                <a:solidFill>
-                  <a:srgbClr val="000000"/>
-                </a:solidFill>
-                <a:uFill>
-                  <a:solidFill>
-                    <a:srgbClr val="ffffff"/>
-                  </a:solidFill>
-                </a:uFill>
-                <a:latin typeface="Arial"/>
-              </a:rPr>
-              <a:t>        </a:t>
-            </a:r>
-            <a:r>
-              <a:rPr b="0" lang="en-US" sz="3200" spc="-1" strike="noStrike">
-                <a:solidFill>
-                  <a:srgbClr val="000000"/>
-                </a:solidFill>
-                <a:uFill>
-                  <a:solidFill>
-                    <a:srgbClr val="ffffff"/>
-                  </a:solidFill>
-                </a:uFill>
-                <a:latin typeface="Arial"/>
-              </a:rPr>
-              <a:t>drawable/  </a:t>
-            </a:r>
-            <a:endParaRPr b="0" lang="en-US" sz="3200" spc="-1" strike="noStrike">
-              <a:solidFill>
-                <a:srgbClr val="000000"/>
-              </a:solidFill>
-              <a:uFill>
-                <a:solidFill>
-                  <a:srgbClr val="ffffff"/>
-                </a:solidFill>
-              </a:uFill>
-              <a:latin typeface="Arial"/>
-            </a:endParaRPr>
-          </a:p>
-          <a:p>
-            <a:pPr marL="432000" indent="-324000">
-              <a:buClr>
-                <a:srgbClr val="000000"/>
-              </a:buClr>
-              <a:buSzPct val="45000"/>
-              <a:buFont typeface="Wingdings" charset="2"/>
-              <a:buChar char=""/>
-            </a:pPr>
-            <a:r>
-              <a:rPr b="0" lang="en-US" sz="3200" spc="-1" strike="noStrike">
-                <a:solidFill>
-                  <a:srgbClr val="000000"/>
-                </a:solidFill>
-                <a:uFill>
-                  <a:solidFill>
-                    <a:srgbClr val="ffffff"/>
-                  </a:solidFill>
-                </a:uFill>
-                <a:latin typeface="Arial"/>
-              </a:rPr>
-              <a:t>            </a:t>
-            </a:r>
-            <a:r>
-              <a:rPr b="0" lang="en-US" sz="3200" spc="-1" strike="noStrike">
-                <a:solidFill>
-                  <a:srgbClr val="000000"/>
-                </a:solidFill>
-                <a:uFill>
-                  <a:solidFill>
-                    <a:srgbClr val="ffffff"/>
-                  </a:solidFill>
-                </a:uFill>
-                <a:latin typeface="Arial"/>
-              </a:rPr>
-              <a:t>graphic.png  </a:t>
-            </a:r>
-            <a:endParaRPr b="0" lang="en-US" sz="3200" spc="-1" strike="noStrike">
-              <a:solidFill>
-                <a:srgbClr val="000000"/>
-              </a:solidFill>
-              <a:uFill>
-                <a:solidFill>
-                  <a:srgbClr val="ffffff"/>
-                </a:solidFill>
-              </a:uFill>
-              <a:latin typeface="Arial"/>
-            </a:endParaRPr>
-          </a:p>
-          <a:p>
-            <a:pPr marL="432000" indent="-324000">
-              <a:buClr>
-                <a:srgbClr val="000000"/>
-              </a:buClr>
-              <a:buSzPct val="45000"/>
-              <a:buFont typeface="Wingdings" charset="2"/>
-              <a:buChar char=""/>
-            </a:pPr>
-            <a:r>
-              <a:rPr b="0" lang="en-US" sz="3200" spc="-1" strike="noStrike">
-                <a:solidFill>
-                  <a:srgbClr val="000000"/>
-                </a:solidFill>
-                <a:uFill>
-                  <a:solidFill>
-                    <a:srgbClr val="ffffff"/>
-                  </a:solidFill>
-                </a:uFill>
-                <a:latin typeface="Arial"/>
-              </a:rPr>
-              <a:t>        </a:t>
-            </a:r>
-            <a:r>
-              <a:rPr b="0" lang="en-US" sz="3200" spc="-1" strike="noStrike">
-                <a:solidFill>
-                  <a:srgbClr val="000000"/>
-                </a:solidFill>
-                <a:uFill>
-                  <a:solidFill>
-                    <a:srgbClr val="ffffff"/>
-                  </a:solidFill>
-                </a:uFill>
-                <a:latin typeface="Arial"/>
-              </a:rPr>
-              <a:t>layout/  </a:t>
-            </a:r>
-            <a:endParaRPr b="0" lang="en-US" sz="3200" spc="-1" strike="noStrike">
-              <a:solidFill>
-                <a:srgbClr val="000000"/>
-              </a:solidFill>
-              <a:uFill>
-                <a:solidFill>
-                  <a:srgbClr val="ffffff"/>
-                </a:solidFill>
-              </a:uFill>
-              <a:latin typeface="Arial"/>
-            </a:endParaRPr>
-          </a:p>
-          <a:p>
-            <a:pPr marL="432000" indent="-324000">
-              <a:buClr>
-                <a:srgbClr val="000000"/>
-              </a:buClr>
-              <a:buSzPct val="45000"/>
-              <a:buFont typeface="Wingdings" charset="2"/>
-              <a:buChar char=""/>
-            </a:pPr>
-            <a:r>
-              <a:rPr b="0" lang="en-US" sz="3200" spc="-1" strike="noStrike">
-                <a:solidFill>
-                  <a:srgbClr val="000000"/>
-                </a:solidFill>
-                <a:uFill>
-                  <a:solidFill>
-                    <a:srgbClr val="ffffff"/>
-                  </a:solidFill>
-                </a:uFill>
-                <a:latin typeface="Arial"/>
-              </a:rPr>
-              <a:t>            </a:t>
-            </a:r>
-            <a:r>
-              <a:rPr b="0" lang="en-US" sz="3200" spc="-1" strike="noStrike">
-                <a:solidFill>
-                  <a:srgbClr val="000000"/>
-                </a:solidFill>
-                <a:uFill>
-                  <a:solidFill>
-                    <a:srgbClr val="ffffff"/>
-                  </a:solidFill>
-                </a:uFill>
-                <a:latin typeface="Arial"/>
-              </a:rPr>
-              <a:t>main_activity.xml</a:t>
-            </a:r>
-            <a:endParaRPr b="0" lang="en-US" sz="3200" spc="-1" strike="noStrike">
-              <a:solidFill>
-                <a:srgbClr val="000000"/>
-              </a:solidFill>
-              <a:uFill>
-                <a:solidFill>
-                  <a:srgbClr val="ffffff"/>
-                </a:solidFill>
-              </a:uFill>
-              <a:latin typeface="Arial"/>
-            </a:endParaRPr>
-          </a:p>
-          <a:p>
-            <a:pPr marL="432000" indent="-324000">
-              <a:buClr>
-                <a:srgbClr val="000000"/>
-              </a:buClr>
-              <a:buSzPct val="45000"/>
-              <a:buFont typeface="Wingdings" charset="2"/>
-              <a:buChar char=""/>
-            </a:pPr>
-            <a:r>
-              <a:rPr b="0" lang="en-US" sz="3200" spc="-1" strike="noStrike">
-                <a:solidFill>
-                  <a:srgbClr val="000000"/>
-                </a:solidFill>
-                <a:uFill>
-                  <a:solidFill>
-                    <a:srgbClr val="ffffff"/>
-                  </a:solidFill>
-                </a:uFill>
-                <a:latin typeface="Arial"/>
-              </a:rPr>
-              <a:t>            </a:t>
-            </a:r>
-            <a:r>
-              <a:rPr b="0" lang="en-US" sz="3200" spc="-1" strike="noStrike">
-                <a:solidFill>
-                  <a:srgbClr val="000000"/>
-                </a:solidFill>
-                <a:uFill>
-                  <a:solidFill>
-                    <a:srgbClr val="ffffff"/>
-                  </a:solidFill>
-                </a:uFill>
-                <a:latin typeface="Arial"/>
-              </a:rPr>
-              <a:t>info_fragment.xml</a:t>
-            </a:r>
-            <a:endParaRPr b="0" lang="en-US" sz="3200" spc="-1" strike="noStrike">
-              <a:solidFill>
-                <a:srgbClr val="000000"/>
-              </a:solidFill>
-              <a:uFill>
-                <a:solidFill>
-                  <a:srgbClr val="ffffff"/>
-                </a:solidFill>
-              </a:uFill>
-              <a:latin typeface="Arial"/>
-            </a:endParaRPr>
-          </a:p>
-          <a:p>
-            <a:pPr marL="432000" indent="-324000">
-              <a:buClr>
-                <a:srgbClr val="000000"/>
-              </a:buClr>
-              <a:buSzPct val="45000"/>
-              <a:buFont typeface="Wingdings" charset="2"/>
-              <a:buChar char=""/>
-            </a:pPr>
-            <a:r>
-              <a:rPr b="0" lang="en-US" sz="3200" spc="-1" strike="noStrike">
-                <a:solidFill>
-                  <a:srgbClr val="000000"/>
-                </a:solidFill>
-                <a:uFill>
-                  <a:solidFill>
-                    <a:srgbClr val="ffffff"/>
-                  </a:solidFill>
-                </a:uFill>
-                <a:latin typeface="Arial"/>
-              </a:rPr>
-              <a:t>        </a:t>
-            </a:r>
-            <a:r>
-              <a:rPr b="0" lang="en-US" sz="3200" spc="-1" strike="noStrike">
-                <a:solidFill>
-                  <a:srgbClr val="000000"/>
-                </a:solidFill>
-                <a:uFill>
-                  <a:solidFill>
-                    <a:srgbClr val="ffffff"/>
-                  </a:solidFill>
-                </a:uFill>
-                <a:latin typeface="Arial"/>
-              </a:rPr>
-              <a:t>mipmap/  </a:t>
-            </a:r>
-            <a:endParaRPr b="0" lang="en-US" sz="3200" spc="-1" strike="noStrike">
-              <a:solidFill>
-                <a:srgbClr val="000000"/>
-              </a:solidFill>
-              <a:uFill>
-                <a:solidFill>
-                  <a:srgbClr val="ffffff"/>
-                </a:solidFill>
-              </a:uFill>
-              <a:latin typeface="Arial"/>
-            </a:endParaRPr>
-          </a:p>
-          <a:p>
-            <a:pPr marL="432000" indent="-324000">
-              <a:buClr>
-                <a:srgbClr val="000000"/>
-              </a:buClr>
-              <a:buSzPct val="45000"/>
-              <a:buFont typeface="Wingdings" charset="2"/>
-              <a:buChar char=""/>
-            </a:pPr>
-            <a:r>
-              <a:rPr b="0" lang="en-US" sz="3200" spc="-1" strike="noStrike">
-                <a:solidFill>
-                  <a:srgbClr val="000000"/>
-                </a:solidFill>
-                <a:uFill>
-                  <a:solidFill>
-                    <a:srgbClr val="ffffff"/>
-                  </a:solidFill>
-                </a:uFill>
-                <a:latin typeface="Arial"/>
-              </a:rPr>
-              <a:t>            </a:t>
-            </a:r>
-            <a:r>
-              <a:rPr b="0" lang="en-US" sz="3200" spc="-1" strike="noStrike">
-                <a:solidFill>
-                  <a:srgbClr val="000000"/>
-                </a:solidFill>
-                <a:uFill>
-                  <a:solidFill>
-                    <a:srgbClr val="ffffff"/>
-                  </a:solidFill>
-                </a:uFill>
-                <a:latin typeface="Arial"/>
-              </a:rPr>
-              <a:t>icon.png </a:t>
-            </a:r>
-            <a:endParaRPr b="0" lang="en-US" sz="3200" spc="-1" strike="noStrike">
-              <a:solidFill>
-                <a:srgbClr val="000000"/>
-              </a:solidFill>
-              <a:uFill>
-                <a:solidFill>
-                  <a:srgbClr val="ffffff"/>
-                </a:solidFill>
-              </a:uFill>
-              <a:latin typeface="Arial"/>
-            </a:endParaRPr>
-          </a:p>
-          <a:p>
-            <a:pPr marL="432000" indent="-324000">
-              <a:buClr>
-                <a:srgbClr val="000000"/>
-              </a:buClr>
-              <a:buSzPct val="45000"/>
-              <a:buFont typeface="Wingdings" charset="2"/>
-              <a:buChar char=""/>
-            </a:pPr>
-            <a:r>
-              <a:rPr b="0" lang="en-US" sz="3200" spc="-1" strike="noStrike">
-                <a:solidFill>
-                  <a:srgbClr val="000000"/>
-                </a:solidFill>
-                <a:uFill>
-                  <a:solidFill>
-                    <a:srgbClr val="ffffff"/>
-                  </a:solidFill>
-                </a:uFill>
-                <a:latin typeface="Arial"/>
-              </a:rPr>
-              <a:t>        </a:t>
-            </a:r>
-            <a:r>
-              <a:rPr b="0" lang="en-US" sz="3200" spc="-1" strike="noStrike">
-                <a:solidFill>
-                  <a:srgbClr val="000000"/>
-                </a:solidFill>
-                <a:uFill>
-                  <a:solidFill>
-                    <a:srgbClr val="ffffff"/>
-                  </a:solidFill>
-                </a:uFill>
-                <a:latin typeface="Arial"/>
-              </a:rPr>
-              <a:t>values/  </a:t>
-            </a:r>
-            <a:endParaRPr b="0" lang="en-US" sz="3200" spc="-1" strike="noStrike">
-              <a:solidFill>
-                <a:srgbClr val="000000"/>
-              </a:solidFill>
-              <a:uFill>
-                <a:solidFill>
-                  <a:srgbClr val="ffffff"/>
-                </a:solidFill>
-              </a:uFill>
-              <a:latin typeface="Arial"/>
-            </a:endParaRPr>
-          </a:p>
-          <a:p>
-            <a:pPr marL="432000" indent="-324000">
-              <a:buClr>
-                <a:srgbClr val="000000"/>
-              </a:buClr>
-              <a:buSzPct val="45000"/>
-              <a:buFont typeface="Wingdings" charset="2"/>
-              <a:buChar char=""/>
-            </a:pPr>
-            <a:r>
-              <a:rPr b="0" lang="en-US" sz="3200" spc="-1" strike="noStrike">
-                <a:solidFill>
-                  <a:srgbClr val="000000"/>
-                </a:solidFill>
-                <a:uFill>
-                  <a:solidFill>
-                    <a:srgbClr val="ffffff"/>
-                  </a:solidFill>
-                </a:uFill>
-                <a:latin typeface="Arial"/>
-              </a:rPr>
-              <a:t>            </a:t>
-            </a:r>
-            <a:r>
-              <a:rPr b="0" lang="en-US" sz="3200" spc="-1" strike="noStrike">
-                <a:solidFill>
-                  <a:srgbClr val="000000"/>
-                </a:solidFill>
-                <a:uFill>
-                  <a:solidFill>
-                    <a:srgbClr val="ffffff"/>
-                  </a:solidFill>
-                </a:uFill>
-                <a:latin typeface="Arial"/>
-              </a:rPr>
-              <a:t>strings.xml  </a:t>
-            </a:r>
-            <a:endParaRPr b="0" lang="en-US" sz="3200" spc="-1" strike="noStrike">
-              <a:solidFill>
-                <a:srgbClr val="000000"/>
-              </a:solidFill>
-              <a:uFill>
-                <a:solidFill>
-                  <a:srgbClr val="ffffff"/>
-                </a:solidFill>
-              </a:uFill>
-              <a:latin typeface="Arial"/>
-            </a:endParaRPr>
-          </a:p>
-        </p:txBody>
-      </p:sp>
-      <p:sp>
-        <p:nvSpPr>
-          <p:cNvPr id="49" name="TextShape 3"/>
-          <p:cNvSpPr txBox="1"/>
+      </p:pic>
+      <p:sp>
+        <p:nvSpPr>
+          <p:cNvPr id="49" name="CustomShape 2"/>
+          <p:cNvSpPr/>
           <p:nvPr/>
         </p:nvSpPr>
         <p:spPr>
           <a:xfrm>
-            <a:off x="274320" y="6785640"/>
-            <a:ext cx="9601200" cy="602280"/>
+            <a:off x="1645920" y="3749040"/>
+            <a:ext cx="7863840" cy="1463040"/>
           </a:xfrm>
           <a:prstGeom prst="rect">
             <a:avLst/>
           </a:prstGeom>
           <a:noFill/>
-          <a:ln>
-            <a:noFill/>
+          <a:ln w="57240">
+            <a:solidFill>
+              <a:srgbClr val="ff3333"/>
+            </a:solidFill>
+            <a:round/>
           </a:ln>
         </p:spPr>
-        <p:txBody>
-          <a:bodyPr lIns="90000" rIns="90000" tIns="45000" bIns="45000"/>
-          <a:p>
-            <a:r>
-              <a:rPr b="0" lang="en-US" sz="1800" spc="-1" strike="noStrike">
-                <a:solidFill>
-                  <a:srgbClr val="000000"/>
-                </a:solidFill>
-                <a:uFill>
-                  <a:solidFill>
-                    <a:srgbClr val="ffffff"/>
-                  </a:solidFill>
-                </a:uFill>
-                <a:latin typeface="Arial"/>
-              </a:rPr>
-              <a:t>Modified from https://developer.android.com/guide/topics/resources/providing-resources.html</a:t>
-            </a:r>
-            <a:endParaRPr b="0" lang="en-US" sz="1800" spc="-1" strike="noStrike">
-              <a:solidFill>
-                <a:srgbClr val="000000"/>
-              </a:solidFill>
-              <a:uFill>
-                <a:solidFill>
-                  <a:srgbClr val="ffffff"/>
-                </a:solidFill>
-              </a:uFill>
-              <a:latin typeface="Arial"/>
-            </a:endParaRPr>
-          </a:p>
-        </p:txBody>
+        <p:style>
+          <a:lnRef idx="0"/>
+          <a:fillRef idx="0"/>
+          <a:effectRef idx="0"/>
+          <a:fontRef idx="minor"/>
+        </p:style>
       </p:sp>
     </p:spTree>
   </p:cSld>
-  <p:timing>
-    <p:tnLst>
-      <p:par>
-        <p:cTn id="7" dur="indefinite" restart="never" nodeType="tmRoot">
-          <p:childTnLst>
-            <p:seq>
-              <p:cTn id="8" nodeType="mainSeq"/>
-              <p:prevCondLst>
-                <p:cond delay="0" evt="onPrev">
-                  <p:tgtEl>
-                    <p:sldTgt/>
-                  </p:tgtEl>
-                </p:cond>
-              </p:prevCondLst>
-              <p:nextCondLst>
-                <p:cond delay="0" evt="onNext">
-                  <p:tgtEl>
-                    <p:sldTgt/>
-                  </p:tgtEl>
-                </p:cond>
-              </p:nextCondLst>
-            </p:seq>
-          </p:childTnLst>
-        </p:cTn>
-      </p:par>
-    </p:tnLst>
-  </p:timing>
 </p:sld>
 </file>
 
@@ -3553,9 +4592,59 @@
                 </a:uFill>
                 <a:latin typeface="Arial"/>
               </a:rPr>
-              <a:t>GUI Layout</a:t>
+              <a:t>Android Activity Life Cycle</a:t>
             </a:r>
             <a:endParaRPr b="0" lang="en-US" sz="4400" spc="-1" strike="noStrike">
+              <a:solidFill>
+                <a:srgbClr val="000000"/>
+              </a:solidFill>
+              <a:uFill>
+                <a:solidFill>
+                  <a:srgbClr val="ffffff"/>
+                </a:solidFill>
+              </a:uFill>
+              <a:latin typeface="Arial"/>
+            </a:endParaRPr>
+          </a:p>
+        </p:txBody>
+      </p:sp>
+      <p:sp>
+        <p:nvSpPr>
+          <p:cNvPr id="51" name="TextShape 2"/>
+          <p:cNvSpPr txBox="1"/>
+          <p:nvPr/>
+        </p:nvSpPr>
+        <p:spPr>
+          <a:xfrm>
+            <a:off x="1005840" y="6858000"/>
+            <a:ext cx="7650000" cy="346680"/>
+          </a:xfrm>
+          <a:prstGeom prst="rect">
+            <a:avLst/>
+          </a:prstGeom>
+          <a:noFill/>
+          <a:ln>
+            <a:noFill/>
+          </a:ln>
+        </p:spPr>
+        <p:txBody>
+          <a:bodyPr lIns="90000" rIns="90000" tIns="45000" bIns="45000"/>
+          <a:p>
+            <a:r>
+              <a:rPr b="0" lang="en-US" sz="1800" spc="-1" strike="noStrike">
+                <a:solidFill>
+                  <a:srgbClr val="000000"/>
+                </a:solidFill>
+                <a:uFill>
+                  <a:solidFill>
+                    <a:srgbClr val="ffffff"/>
+                  </a:solidFill>
+                </a:uFill>
+                <a:latin typeface="Arial"/>
+              </a:rPr>
+              <a:t>https://developer.android.com/guide/components/activities.html</a:t>
+            </a:r>
+            <a:endParaRPr b="0" lang="en-US" sz="1800" spc="-1" strike="noStrike">
               <a:solidFill>
                 <a:srgbClr val="000000"/>
               </a:solidFill>
@@ -3571,7 +4660,7 @@
       </p:sp>
       <p:pic>
         <p:nvPicPr>
-          <p:cNvPr id="51" name="" descr=""/>
+          <p:cNvPr id="52" name="" descr=""/>
           <p:cNvPicPr/>
           <p:nvPr/>
         </p:nvPicPr>
@@ -3581,8 +4670,8 @@
         </p:blipFill>
         <p:spPr>
           <a:xfrm>
-            <a:off x="2576880" y="2011680"/>
-            <a:ext cx="4921200" cy="1843560"/>
+            <a:off x="2860560" y="1188720"/>
+            <a:ext cx="4271760" cy="5520600"/>
           </a:xfrm>
           <a:prstGeom prst="rect">
             <a:avLst/>
@@ -3592,88 +4681,15 @@
           </a:ln>
         </p:spPr>
       </p:pic>
-      <p:pic>
-        <p:nvPicPr>
-          <p:cNvPr id="52" name="" descr=""/>
-          <p:cNvPicPr/>
-          <p:nvPr/>
-        </p:nvPicPr>
-        <p:blipFill>
-          <a:blip r:embed="rId2"/>
-          <a:stretch/>
-        </p:blipFill>
-        <p:spPr>
-          <a:xfrm>
-            <a:off x="2554920" y="4023360"/>
-            <a:ext cx="4943160" cy="1851840"/>
-          </a:xfrm>
-          <a:prstGeom prst="rect">
-            <a:avLst/>
-          </a:prstGeom>
-          <a:ln>
-            <a:noFill/>
-          </a:ln>
-        </p:spPr>
-      </p:pic>
-      <p:sp>
-        <p:nvSpPr>
-          <p:cNvPr id="53" name="TextShape 2"/>
-          <p:cNvSpPr txBox="1"/>
-          <p:nvPr/>
-        </p:nvSpPr>
-        <p:spPr>
-          <a:xfrm>
-            <a:off x="1737360" y="6309360"/>
-            <a:ext cx="6962400" cy="346680"/>
-          </a:xfrm>
-          <a:prstGeom prst="rect">
-            <a:avLst/>
-          </a:prstGeom>
-          <a:noFill/>
-          <a:ln>
-            <a:noFill/>
-          </a:ln>
-        </p:spPr>
-        <p:txBody>
-          <a:bodyPr lIns="90000" rIns="90000" tIns="45000" bIns="45000"/>
-          <a:p>
-            <a:r>
-              <a:rPr b="0" lang="en-US" sz="1800" spc="-1" strike="noStrike">
-                <a:solidFill>
-                  <a:srgbClr val="000000"/>
-                </a:solidFill>
-                <a:uFill>
-                  <a:solidFill>
-                    <a:srgbClr val="ffffff"/>
-                  </a:solidFill>
-                </a:uFill>
-                <a:latin typeface="Arial"/>
-              </a:rPr>
-              <a:t>https://developer.android.com/guide/topics/resources/overview.html</a:t>
-            </a:r>
-            <a:endParaRPr b="0" lang="en-US" sz="1800" spc="-1" strike="noStrike">
-              <a:solidFill>
-                <a:srgbClr val="000000"/>
-              </a:solidFill>
-              <a:uFill>
-                <a:solidFill>
-                  <a:srgbClr val="ffffff"/>
-                </a:solidFill>
-              </a:uFill>
-              <a:latin typeface="Arial"/>
-            </a:endParaRPr>
-          </a:p>
-        </p:txBody>
-      </p:sp>
     </p:spTree>
   </p:cSld>
   <p:timing>
     <p:tnLst>
       <p:par>
-        <p:cTn id="9" dur="indefinite" restart="never" nodeType="tmRoot">
+        <p:cTn id="5" dur="indefinite" restart="never" nodeType="tmRoot">
           <p:childTnLst>
             <p:seq>
-              <p:cTn id="10" nodeType="mainSeq"/>
+              <p:cTn id="6" nodeType="mainSeq"/>
               <p:prevCondLst>
                 <p:cond delay="0" evt="onPrev">
                   <p:tgtEl>
@@ -3716,7 +4732,7 @@
       </p:grpSpPr>
       <p:sp>
         <p:nvSpPr>
-          <p:cNvPr id="54" name="TextShape 1"/>
+          <p:cNvPr id="53" name="TextShape 1"/>
           <p:cNvSpPr txBox="1"/>
           <p:nvPr/>
         </p:nvSpPr>
@@ -3749,7 +4765,7 @@
                 </a:uFill>
                 <a:latin typeface="Arial"/>
               </a:rPr>
-              <a:t>Example of Layout Res file</a:t>
+              <a:t>Resources</a:t>
             </a:r>
             <a:endParaRPr b="0" lang="en-US" sz="4400" spc="-1" strike="noStrike">
               <a:solidFill>
@@ -3765,96 +4781,16 @@
           </a:p>
         </p:txBody>
       </p:sp>
-      <p:pic>
-        <p:nvPicPr>
-          <p:cNvPr id="55" name="" descr=""/>
-          <p:cNvPicPr/>
-          <p:nvPr/>
-        </p:nvPicPr>
-        <p:blipFill>
-          <a:blip r:embed="rId1"/>
-          <a:stretch/>
-        </p:blipFill>
-        <p:spPr>
-          <a:xfrm>
-            <a:off x="484200" y="1636920"/>
-            <a:ext cx="9025560" cy="5495400"/>
-          </a:xfrm>
-          <a:prstGeom prst="rect">
-            <a:avLst/>
-          </a:prstGeom>
-          <a:ln>
-            <a:noFill/>
-          </a:ln>
-        </p:spPr>
-      </p:pic>
-      <p:sp>
-        <p:nvSpPr>
-          <p:cNvPr id="56" name="Line 2"/>
-          <p:cNvSpPr/>
-          <p:nvPr/>
-        </p:nvSpPr>
-        <p:spPr>
-          <a:xfrm flipH="1" flipV="1">
-            <a:off x="3840480" y="2834640"/>
-            <a:ext cx="1005840" cy="365760"/>
-          </a:xfrm>
-          <a:prstGeom prst="line">
-            <a:avLst/>
-          </a:prstGeom>
-          <a:ln>
-            <a:solidFill>
-              <a:srgbClr val="000000"/>
-            </a:solidFill>
-            <a:tailEnd len="med" type="triangle" w="med"/>
-          </a:ln>
-        </p:spPr>
-        <p:style>
-          <a:lnRef idx="0"/>
-          <a:fillRef idx="0"/>
-          <a:effectRef idx="0"/>
-          <a:fontRef idx="minor"/>
-        </p:style>
-      </p:sp>
-      <p:sp>
-        <p:nvSpPr>
-          <p:cNvPr id="57" name="CustomShape 3"/>
-          <p:cNvSpPr/>
-          <p:nvPr/>
-        </p:nvSpPr>
-        <p:spPr>
-          <a:xfrm>
-            <a:off x="2103120" y="2651760"/>
-            <a:ext cx="2011680" cy="182880"/>
-          </a:xfrm>
-          <a:prstGeom prst="rect">
-            <a:avLst/>
-          </a:prstGeom>
-          <a:noFill/>
-          <a:ln w="57240">
-            <a:solidFill>
-              <a:srgbClr val="ff3333"/>
-            </a:solidFill>
-            <a:round/>
-          </a:ln>
-        </p:spPr>
-        <p:style>
-          <a:lnRef idx="0"/>
-          <a:fillRef idx="0"/>
-          <a:effectRef idx="0"/>
-          <a:fontRef idx="minor"/>
-        </p:style>
-      </p:sp>
-      <p:sp>
-        <p:nvSpPr>
-          <p:cNvPr id="58" name="TextShape 4"/>
+      <p:sp>
+        <p:nvSpPr>
+          <p:cNvPr id="54" name="TextShape 2"/>
           <p:cNvSpPr txBox="1"/>
           <p:nvPr/>
         </p:nvSpPr>
         <p:spPr>
           <a:xfrm>
-            <a:off x="4663440" y="3200400"/>
-            <a:ext cx="1737360" cy="1370160"/>
+            <a:off x="504000" y="1769040"/>
+            <a:ext cx="9071640" cy="4384440"/>
           </a:xfrm>
           <a:prstGeom prst="rect">
             <a:avLst/>
@@ -3865,74 +4801,670 @@
           </a:ln>
         </p:spPr>
         <p:txBody>
-          <a:bodyPr lIns="90000" rIns="90000" tIns="45000" bIns="45000"/>
-          <a:p>
-            <a:r>
-              <a:rPr b="0" lang="en-US" sz="1800" spc="-1" strike="noStrike">
-                <a:solidFill>
-                  <a:srgbClr val="000000"/>
-                </a:solidFill>
-                <a:uFill>
-                  <a:solidFill>
-                    <a:srgbClr val="ffffff"/>
-                  </a:solidFill>
-                </a:uFill>
-                <a:latin typeface="Arial"/>
-              </a:rPr>
-              <a:t>Gets a resource from dimen.xml</a:t>
-            </a:r>
-            <a:endParaRPr b="0" lang="en-US" sz="1800" spc="-1" strike="noStrike">
-              <a:solidFill>
-                <a:srgbClr val="000000"/>
-              </a:solidFill>
-              <a:uFill>
-                <a:solidFill>
-                  <a:srgbClr val="ffffff"/>
-                </a:solidFill>
-              </a:uFill>
-              <a:latin typeface="Arial"/>
-            </a:endParaRPr>
-          </a:p>
-        </p:txBody>
-      </p:sp>
-      <p:sp>
-        <p:nvSpPr>
-          <p:cNvPr id="59" name="Line 5"/>
-          <p:cNvSpPr/>
-          <p:nvPr/>
-        </p:nvSpPr>
-        <p:spPr>
-          <a:xfrm flipH="1" flipV="1">
-            <a:off x="2560320" y="4480560"/>
-            <a:ext cx="1005840" cy="365760"/>
-          </a:xfrm>
-          <a:prstGeom prst="line">
-            <a:avLst/>
-          </a:prstGeom>
-          <a:ln>
-            <a:solidFill>
-              <a:srgbClr val="000000"/>
-            </a:solidFill>
-            <a:tailEnd len="med" type="triangle" w="med"/>
-          </a:ln>
-        </p:spPr>
-        <p:style>
-          <a:lnRef idx="0"/>
-          <a:fillRef idx="0"/>
-          <a:effectRef idx="0"/>
-          <a:fontRef idx="minor"/>
-        </p:style>
-      </p:sp>
-      <p:sp>
-        <p:nvSpPr>
-          <p:cNvPr id="60" name="TextShape 6"/>
+          <a:bodyPr lIns="0" rIns="0" tIns="0" bIns="0"/>
+          <a:p>
+            <a:pPr marL="432000" indent="-324000">
+              <a:buClr>
+                <a:srgbClr val="000000"/>
+              </a:buClr>
+              <a:buSzPct val="45000"/>
+              <a:buFont typeface="Wingdings" charset="2"/>
+              <a:buChar char=""/>
+            </a:pPr>
+            <a:r>
+              <a:rPr b="0" lang="en-US" sz="4000" spc="-1" strike="noStrike">
+                <a:solidFill>
+                  <a:srgbClr val="000000"/>
+                </a:solidFill>
+                <a:uFill>
+                  <a:solidFill>
+                    <a:srgbClr val="ffffff"/>
+                  </a:solidFill>
+                </a:uFill>
+                <a:latin typeface="Arial"/>
+              </a:rPr>
+              <a:t>MyProject/</a:t>
+            </a:r>
+            <a:endParaRPr b="0" lang="en-US" sz="3200" spc="-1" strike="noStrike">
+              <a:solidFill>
+                <a:srgbClr val="000000"/>
+              </a:solidFill>
+              <a:uFill>
+                <a:solidFill>
+                  <a:srgbClr val="ffffff"/>
+                </a:solidFill>
+              </a:uFill>
+              <a:latin typeface="Arial"/>
+            </a:endParaRPr>
+          </a:p>
+          <a:p>
+            <a:pPr marL="432000" indent="-324000">
+              <a:buClr>
+                <a:srgbClr val="000000"/>
+              </a:buClr>
+              <a:buSzPct val="45000"/>
+              <a:buFont typeface="Wingdings" charset="2"/>
+              <a:buChar char=""/>
+            </a:pPr>
+            <a:r>
+              <a:rPr b="0" lang="en-US" sz="3200" spc="-1" strike="noStrike">
+                <a:solidFill>
+                  <a:srgbClr val="000000"/>
+                </a:solidFill>
+                <a:uFill>
+                  <a:solidFill>
+                    <a:srgbClr val="ffffff"/>
+                  </a:solidFill>
+                </a:uFill>
+                <a:latin typeface="Arial"/>
+              </a:rPr>
+              <a:t>   </a:t>
+            </a:r>
+            <a:r>
+              <a:rPr b="1" lang="en-US" sz="3200" spc="-1" strike="noStrike">
+                <a:solidFill>
+                  <a:srgbClr val="000000"/>
+                </a:solidFill>
+                <a:uFill>
+                  <a:solidFill>
+                    <a:srgbClr val="ffffff"/>
+                  </a:solidFill>
+                </a:uFill>
+                <a:latin typeface="Arial"/>
+              </a:rPr>
+              <a:t> </a:t>
+            </a:r>
+            <a:r>
+              <a:rPr b="1" lang="en-US" sz="3200" spc="-1" strike="noStrike" u="sng">
+                <a:solidFill>
+                  <a:srgbClr val="000000"/>
+                </a:solidFill>
+                <a:uFill>
+                  <a:solidFill>
+                    <a:srgbClr val="ffffff"/>
+                  </a:solidFill>
+                </a:uFill>
+                <a:latin typeface="Arial"/>
+              </a:rPr>
+              <a:t>src/</a:t>
+            </a:r>
+            <a:r>
+              <a:rPr b="0" lang="en-US" sz="3200" spc="-1" strike="noStrike" u="sng">
+                <a:solidFill>
+                  <a:srgbClr val="000000"/>
+                </a:solidFill>
+                <a:uFill>
+                  <a:solidFill>
+                    <a:srgbClr val="ffffff"/>
+                  </a:solidFill>
+                </a:uFill>
+                <a:latin typeface="Arial"/>
+              </a:rPr>
+              <a:t>  </a:t>
+            </a:r>
+            <a:endParaRPr b="0" lang="en-US" sz="3200" spc="-1" strike="noStrike">
+              <a:solidFill>
+                <a:srgbClr val="000000"/>
+              </a:solidFill>
+              <a:uFill>
+                <a:solidFill>
+                  <a:srgbClr val="ffffff"/>
+                </a:solidFill>
+              </a:uFill>
+              <a:latin typeface="Arial"/>
+            </a:endParaRPr>
+          </a:p>
+          <a:p>
+            <a:pPr marL="432000" indent="-324000">
+              <a:buClr>
+                <a:srgbClr val="000000"/>
+              </a:buClr>
+              <a:buSzPct val="45000"/>
+              <a:buFont typeface="Wingdings" charset="2"/>
+              <a:buChar char=""/>
+            </a:pPr>
+            <a:r>
+              <a:rPr b="0" lang="en-US" sz="3200" spc="-1" strike="noStrike">
+                <a:solidFill>
+                  <a:srgbClr val="000000"/>
+                </a:solidFill>
+                <a:uFill>
+                  <a:solidFill>
+                    <a:srgbClr val="ffffff"/>
+                  </a:solidFill>
+                </a:uFill>
+                <a:latin typeface="Arial"/>
+              </a:rPr>
+              <a:t>        </a:t>
+            </a:r>
+            <a:r>
+              <a:rPr b="0" lang="en-US" sz="3200" spc="-1" strike="noStrike">
+                <a:solidFill>
+                  <a:srgbClr val="000000"/>
+                </a:solidFill>
+                <a:uFill>
+                  <a:solidFill>
+                    <a:srgbClr val="ffffff"/>
+                  </a:solidFill>
+                </a:uFill>
+                <a:latin typeface="Arial"/>
+              </a:rPr>
+              <a:t>MyActivity.java  </a:t>
+            </a:r>
+            <a:endParaRPr b="0" lang="en-US" sz="3200" spc="-1" strike="noStrike">
+              <a:solidFill>
+                <a:srgbClr val="000000"/>
+              </a:solidFill>
+              <a:uFill>
+                <a:solidFill>
+                  <a:srgbClr val="ffffff"/>
+                </a:solidFill>
+              </a:uFill>
+              <a:latin typeface="Arial"/>
+            </a:endParaRPr>
+          </a:p>
+          <a:p>
+            <a:pPr marL="432000" indent="-324000">
+              <a:buClr>
+                <a:srgbClr val="000000"/>
+              </a:buClr>
+              <a:buSzPct val="45000"/>
+              <a:buFont typeface="Wingdings" charset="2"/>
+              <a:buChar char=""/>
+            </a:pPr>
+            <a:r>
+              <a:rPr b="0" lang="en-US" sz="3200" spc="-1" strike="noStrike">
+                <a:solidFill>
+                  <a:srgbClr val="000000"/>
+                </a:solidFill>
+                <a:uFill>
+                  <a:solidFill>
+                    <a:srgbClr val="ffffff"/>
+                  </a:solidFill>
+                </a:uFill>
+                <a:latin typeface="Arial"/>
+              </a:rPr>
+              <a:t>    </a:t>
+            </a:r>
+            <a:r>
+              <a:rPr b="1" lang="en-US" sz="3200" spc="-1" strike="noStrike" u="sng">
+                <a:solidFill>
+                  <a:srgbClr val="000000"/>
+                </a:solidFill>
+                <a:uFill>
+                  <a:solidFill>
+                    <a:srgbClr val="ffffff"/>
+                  </a:solidFill>
+                </a:uFill>
+                <a:latin typeface="Arial"/>
+              </a:rPr>
+              <a:t>res/</a:t>
+            </a:r>
+            <a:endParaRPr b="0" lang="en-US" sz="3200" spc="-1" strike="noStrike">
+              <a:solidFill>
+                <a:srgbClr val="000000"/>
+              </a:solidFill>
+              <a:uFill>
+                <a:solidFill>
+                  <a:srgbClr val="ffffff"/>
+                </a:solidFill>
+              </a:uFill>
+              <a:latin typeface="Arial"/>
+            </a:endParaRPr>
+          </a:p>
+          <a:p>
+            <a:pPr marL="432000" indent="-324000">
+              <a:buClr>
+                <a:srgbClr val="000000"/>
+              </a:buClr>
+              <a:buSzPct val="45000"/>
+              <a:buFont typeface="Wingdings" charset="2"/>
+              <a:buChar char=""/>
+            </a:pPr>
+            <a:r>
+              <a:rPr b="0" lang="en-US" sz="3200" spc="-1" strike="noStrike">
+                <a:solidFill>
+                  <a:srgbClr val="000000"/>
+                </a:solidFill>
+                <a:uFill>
+                  <a:solidFill>
+                    <a:srgbClr val="ffffff"/>
+                  </a:solidFill>
+                </a:uFill>
+                <a:latin typeface="Arial"/>
+              </a:rPr>
+              <a:t>        </a:t>
+            </a:r>
+            <a:r>
+              <a:rPr b="0" lang="en-US" sz="3200" spc="-1" strike="noStrike">
+                <a:solidFill>
+                  <a:srgbClr val="000000"/>
+                </a:solidFill>
+                <a:uFill>
+                  <a:solidFill>
+                    <a:srgbClr val="ffffff"/>
+                  </a:solidFill>
+                </a:uFill>
+                <a:latin typeface="Arial"/>
+              </a:rPr>
+              <a:t>drawable/  </a:t>
+            </a:r>
+            <a:endParaRPr b="0" lang="en-US" sz="3200" spc="-1" strike="noStrike">
+              <a:solidFill>
+                <a:srgbClr val="000000"/>
+              </a:solidFill>
+              <a:uFill>
+                <a:solidFill>
+                  <a:srgbClr val="ffffff"/>
+                </a:solidFill>
+              </a:uFill>
+              <a:latin typeface="Arial"/>
+            </a:endParaRPr>
+          </a:p>
+          <a:p>
+            <a:pPr marL="432000" indent="-324000">
+              <a:buClr>
+                <a:srgbClr val="000000"/>
+              </a:buClr>
+              <a:buSzPct val="45000"/>
+              <a:buFont typeface="Wingdings" charset="2"/>
+              <a:buChar char=""/>
+            </a:pPr>
+            <a:r>
+              <a:rPr b="0" lang="en-US" sz="3200" spc="-1" strike="noStrike">
+                <a:solidFill>
+                  <a:srgbClr val="000000"/>
+                </a:solidFill>
+                <a:uFill>
+                  <a:solidFill>
+                    <a:srgbClr val="ffffff"/>
+                  </a:solidFill>
+                </a:uFill>
+                <a:latin typeface="Arial"/>
+              </a:rPr>
+              <a:t>            </a:t>
+            </a:r>
+            <a:r>
+              <a:rPr b="0" lang="en-US" sz="3200" spc="-1" strike="noStrike">
+                <a:solidFill>
+                  <a:srgbClr val="000000"/>
+                </a:solidFill>
+                <a:uFill>
+                  <a:solidFill>
+                    <a:srgbClr val="ffffff"/>
+                  </a:solidFill>
+                </a:uFill>
+                <a:latin typeface="Arial"/>
+              </a:rPr>
+              <a:t>graphic.png  </a:t>
+            </a:r>
+            <a:endParaRPr b="0" lang="en-US" sz="3200" spc="-1" strike="noStrike">
+              <a:solidFill>
+                <a:srgbClr val="000000"/>
+              </a:solidFill>
+              <a:uFill>
+                <a:solidFill>
+                  <a:srgbClr val="ffffff"/>
+                </a:solidFill>
+              </a:uFill>
+              <a:latin typeface="Arial"/>
+            </a:endParaRPr>
+          </a:p>
+          <a:p>
+            <a:pPr marL="432000" indent="-324000">
+              <a:buClr>
+                <a:srgbClr val="000000"/>
+              </a:buClr>
+              <a:buSzPct val="45000"/>
+              <a:buFont typeface="Wingdings" charset="2"/>
+              <a:buChar char=""/>
+            </a:pPr>
+            <a:r>
+              <a:rPr b="0" lang="en-US" sz="3200" spc="-1" strike="noStrike">
+                <a:solidFill>
+                  <a:srgbClr val="000000"/>
+                </a:solidFill>
+                <a:uFill>
+                  <a:solidFill>
+                    <a:srgbClr val="ffffff"/>
+                  </a:solidFill>
+                </a:uFill>
+                <a:latin typeface="Arial"/>
+              </a:rPr>
+              <a:t>        </a:t>
+            </a:r>
+            <a:r>
+              <a:rPr b="0" lang="en-US" sz="3200" spc="-1" strike="noStrike">
+                <a:solidFill>
+                  <a:srgbClr val="000000"/>
+                </a:solidFill>
+                <a:uFill>
+                  <a:solidFill>
+                    <a:srgbClr val="ffffff"/>
+                  </a:solidFill>
+                </a:uFill>
+                <a:latin typeface="Arial"/>
+              </a:rPr>
+              <a:t>layout/  </a:t>
+            </a:r>
+            <a:endParaRPr b="0" lang="en-US" sz="3200" spc="-1" strike="noStrike">
+              <a:solidFill>
+                <a:srgbClr val="000000"/>
+              </a:solidFill>
+              <a:uFill>
+                <a:solidFill>
+                  <a:srgbClr val="ffffff"/>
+                </a:solidFill>
+              </a:uFill>
+              <a:latin typeface="Arial"/>
+            </a:endParaRPr>
+          </a:p>
+          <a:p>
+            <a:pPr marL="432000" indent="-324000">
+              <a:buClr>
+                <a:srgbClr val="000000"/>
+              </a:buClr>
+              <a:buSzPct val="45000"/>
+              <a:buFont typeface="Wingdings" charset="2"/>
+              <a:buChar char=""/>
+            </a:pPr>
+            <a:r>
+              <a:rPr b="0" lang="en-US" sz="3200" spc="-1" strike="noStrike">
+                <a:solidFill>
+                  <a:srgbClr val="000000"/>
+                </a:solidFill>
+                <a:uFill>
+                  <a:solidFill>
+                    <a:srgbClr val="ffffff"/>
+                  </a:solidFill>
+                </a:uFill>
+                <a:latin typeface="Arial"/>
+              </a:rPr>
+              <a:t>            </a:t>
+            </a:r>
+            <a:r>
+              <a:rPr b="0" lang="en-US" sz="3200" spc="-1" strike="noStrike">
+                <a:solidFill>
+                  <a:srgbClr val="000000"/>
+                </a:solidFill>
+                <a:uFill>
+                  <a:solidFill>
+                    <a:srgbClr val="ffffff"/>
+                  </a:solidFill>
+                </a:uFill>
+                <a:latin typeface="Arial"/>
+              </a:rPr>
+              <a:t>main_activity.xml</a:t>
+            </a:r>
+            <a:endParaRPr b="0" lang="en-US" sz="3200" spc="-1" strike="noStrike">
+              <a:solidFill>
+                <a:srgbClr val="000000"/>
+              </a:solidFill>
+              <a:uFill>
+                <a:solidFill>
+                  <a:srgbClr val="ffffff"/>
+                </a:solidFill>
+              </a:uFill>
+              <a:latin typeface="Arial"/>
+            </a:endParaRPr>
+          </a:p>
+          <a:p>
+            <a:pPr marL="432000" indent="-324000">
+              <a:buClr>
+                <a:srgbClr val="000000"/>
+              </a:buClr>
+              <a:buSzPct val="45000"/>
+              <a:buFont typeface="Wingdings" charset="2"/>
+              <a:buChar char=""/>
+            </a:pPr>
+            <a:r>
+              <a:rPr b="0" lang="en-US" sz="3200" spc="-1" strike="noStrike">
+                <a:solidFill>
+                  <a:srgbClr val="000000"/>
+                </a:solidFill>
+                <a:uFill>
+                  <a:solidFill>
+                    <a:srgbClr val="ffffff"/>
+                  </a:solidFill>
+                </a:uFill>
+                <a:latin typeface="Arial"/>
+              </a:rPr>
+              <a:t>            </a:t>
+            </a:r>
+            <a:r>
+              <a:rPr b="0" lang="en-US" sz="3200" spc="-1" strike="noStrike">
+                <a:solidFill>
+                  <a:srgbClr val="000000"/>
+                </a:solidFill>
+                <a:uFill>
+                  <a:solidFill>
+                    <a:srgbClr val="ffffff"/>
+                  </a:solidFill>
+                </a:uFill>
+                <a:latin typeface="Arial"/>
+              </a:rPr>
+              <a:t>info_fragment.xml</a:t>
+            </a:r>
+            <a:endParaRPr b="0" lang="en-US" sz="3200" spc="-1" strike="noStrike">
+              <a:solidFill>
+                <a:srgbClr val="000000"/>
+              </a:solidFill>
+              <a:uFill>
+                <a:solidFill>
+                  <a:srgbClr val="ffffff"/>
+                </a:solidFill>
+              </a:uFill>
+              <a:latin typeface="Arial"/>
+            </a:endParaRPr>
+          </a:p>
+          <a:p>
+            <a:pPr marL="432000" indent="-324000">
+              <a:buClr>
+                <a:srgbClr val="000000"/>
+              </a:buClr>
+              <a:buSzPct val="45000"/>
+              <a:buFont typeface="Wingdings" charset="2"/>
+              <a:buChar char=""/>
+            </a:pPr>
+            <a:r>
+              <a:rPr b="0" lang="en-US" sz="3200" spc="-1" strike="noStrike">
+                <a:solidFill>
+                  <a:srgbClr val="000000"/>
+                </a:solidFill>
+                <a:uFill>
+                  <a:solidFill>
+                    <a:srgbClr val="ffffff"/>
+                  </a:solidFill>
+                </a:uFill>
+                <a:latin typeface="Arial"/>
+              </a:rPr>
+              <a:t>        </a:t>
+            </a:r>
+            <a:r>
+              <a:rPr b="0" lang="en-US" sz="3200" spc="-1" strike="noStrike">
+                <a:solidFill>
+                  <a:srgbClr val="000000"/>
+                </a:solidFill>
+                <a:uFill>
+                  <a:solidFill>
+                    <a:srgbClr val="ffffff"/>
+                  </a:solidFill>
+                </a:uFill>
+                <a:latin typeface="Arial"/>
+              </a:rPr>
+              <a:t>mipmap/  </a:t>
+            </a:r>
+            <a:endParaRPr b="0" lang="en-US" sz="3200" spc="-1" strike="noStrike">
+              <a:solidFill>
+                <a:srgbClr val="000000"/>
+              </a:solidFill>
+              <a:uFill>
+                <a:solidFill>
+                  <a:srgbClr val="ffffff"/>
+                </a:solidFill>
+              </a:uFill>
+              <a:latin typeface="Arial"/>
+            </a:endParaRPr>
+          </a:p>
+          <a:p>
+            <a:pPr marL="432000" indent="-324000">
+              <a:buClr>
+                <a:srgbClr val="000000"/>
+              </a:buClr>
+              <a:buSzPct val="45000"/>
+              <a:buFont typeface="Wingdings" charset="2"/>
+              <a:buChar char=""/>
+            </a:pPr>
+            <a:r>
+              <a:rPr b="0" lang="en-US" sz="3200" spc="-1" strike="noStrike">
+                <a:solidFill>
+                  <a:srgbClr val="000000"/>
+                </a:solidFill>
+                <a:uFill>
+                  <a:solidFill>
+                    <a:srgbClr val="ffffff"/>
+                  </a:solidFill>
+                </a:uFill>
+                <a:latin typeface="Arial"/>
+              </a:rPr>
+              <a:t>            </a:t>
+            </a:r>
+            <a:r>
+              <a:rPr b="0" lang="en-US" sz="3200" spc="-1" strike="noStrike">
+                <a:solidFill>
+                  <a:srgbClr val="000000"/>
+                </a:solidFill>
+                <a:uFill>
+                  <a:solidFill>
+                    <a:srgbClr val="ffffff"/>
+                  </a:solidFill>
+                </a:uFill>
+                <a:latin typeface="Arial"/>
+              </a:rPr>
+              <a:t>icon.png </a:t>
+            </a:r>
+            <a:endParaRPr b="0" lang="en-US" sz="3200" spc="-1" strike="noStrike">
+              <a:solidFill>
+                <a:srgbClr val="000000"/>
+              </a:solidFill>
+              <a:uFill>
+                <a:solidFill>
+                  <a:srgbClr val="ffffff"/>
+                </a:solidFill>
+              </a:uFill>
+              <a:latin typeface="Arial"/>
+            </a:endParaRPr>
+          </a:p>
+          <a:p>
+            <a:pPr marL="432000" indent="-324000">
+              <a:buClr>
+                <a:srgbClr val="000000"/>
+              </a:buClr>
+              <a:buSzPct val="45000"/>
+              <a:buFont typeface="Wingdings" charset="2"/>
+              <a:buChar char=""/>
+            </a:pPr>
+            <a:r>
+              <a:rPr b="0" lang="en-US" sz="3200" spc="-1" strike="noStrike">
+                <a:solidFill>
+                  <a:srgbClr val="000000"/>
+                </a:solidFill>
+                <a:uFill>
+                  <a:solidFill>
+                    <a:srgbClr val="ffffff"/>
+                  </a:solidFill>
+                </a:uFill>
+                <a:latin typeface="Arial"/>
+              </a:rPr>
+              <a:t>        </a:t>
+            </a:r>
+            <a:r>
+              <a:rPr b="0" lang="en-US" sz="3200" spc="-1" strike="noStrike">
+                <a:solidFill>
+                  <a:srgbClr val="000000"/>
+                </a:solidFill>
+                <a:uFill>
+                  <a:solidFill>
+                    <a:srgbClr val="ffffff"/>
+                  </a:solidFill>
+                </a:uFill>
+                <a:latin typeface="Arial"/>
+              </a:rPr>
+              <a:t>values/  </a:t>
+            </a:r>
+            <a:endParaRPr b="0" lang="en-US" sz="3200" spc="-1" strike="noStrike">
+              <a:solidFill>
+                <a:srgbClr val="000000"/>
+              </a:solidFill>
+              <a:uFill>
+                <a:solidFill>
+                  <a:srgbClr val="ffffff"/>
+                </a:solidFill>
+              </a:uFill>
+              <a:latin typeface="Arial"/>
+            </a:endParaRPr>
+          </a:p>
+          <a:p>
+            <a:pPr marL="432000" indent="-324000">
+              <a:buClr>
+                <a:srgbClr val="000000"/>
+              </a:buClr>
+              <a:buSzPct val="45000"/>
+              <a:buFont typeface="Wingdings" charset="2"/>
+              <a:buChar char=""/>
+            </a:pPr>
+            <a:r>
+              <a:rPr b="0" lang="en-US" sz="3200" spc="-1" strike="noStrike">
+                <a:solidFill>
+                  <a:srgbClr val="000000"/>
+                </a:solidFill>
+                <a:uFill>
+                  <a:solidFill>
+                    <a:srgbClr val="ffffff"/>
+                  </a:solidFill>
+                </a:uFill>
+                <a:latin typeface="Arial"/>
+              </a:rPr>
+              <a:t>            </a:t>
+            </a:r>
+            <a:r>
+              <a:rPr b="0" lang="en-US" sz="3200" spc="-1" strike="noStrike">
+                <a:solidFill>
+                  <a:srgbClr val="000000"/>
+                </a:solidFill>
+                <a:uFill>
+                  <a:solidFill>
+                    <a:srgbClr val="ffffff"/>
+                  </a:solidFill>
+                </a:uFill>
+                <a:latin typeface="Arial"/>
+              </a:rPr>
+              <a:t>strings.xml  </a:t>
+            </a:r>
+            <a:endParaRPr b="0" lang="en-US" sz="3200" spc="-1" strike="noStrike">
+              <a:solidFill>
+                <a:srgbClr val="000000"/>
+              </a:solidFill>
+              <a:uFill>
+                <a:solidFill>
+                  <a:srgbClr val="ffffff"/>
+                </a:solidFill>
+              </a:uFill>
+              <a:latin typeface="Arial"/>
+            </a:endParaRPr>
+          </a:p>
+        </p:txBody>
+      </p:sp>
+      <p:sp>
+        <p:nvSpPr>
+          <p:cNvPr id="55" name="TextShape 3"/>
           <p:cNvSpPr txBox="1"/>
           <p:nvPr/>
         </p:nvSpPr>
         <p:spPr>
           <a:xfrm>
-            <a:off x="3657600" y="4754880"/>
-            <a:ext cx="1737360" cy="1370160"/>
+            <a:off x="274320" y="6785640"/>
+            <a:ext cx="9601200" cy="602280"/>
           </a:xfrm>
           <a:prstGeom prst="rect">
             <a:avLst/>
@@ -3957,7 +5489,7 @@
                 </a:uFill>
                 <a:latin typeface="Arial"/>
               </a:rPr>
-              <a:t>Should convert to resource in string.xml and reference using @string</a:t>
+              <a:t>Modified from https://developer.android.com/guide/topics/resources/providing-resources.html</a:t>
             </a:r>
             <a:endParaRPr b="0" lang="en-US" sz="1800" spc="-1" strike="noStrike">
               <a:solidFill>
@@ -3978,10 +5510,10 @@
   <p:timing>
     <p:tnLst>
       <p:par>
-        <p:cTn id="11" dur="indefinite" restart="never" nodeType="tmRoot">
+        <p:cTn id="7" dur="indefinite" restart="never" nodeType="tmRoot">
           <p:childTnLst>
             <p:seq>
-              <p:cTn id="12" nodeType="mainSeq"/>
+              <p:cTn id="8" nodeType="mainSeq"/>
               <p:prevCondLst>
                 <p:cond delay="0" evt="onPrev">
                   <p:tgtEl>
@@ -4024,7 +5556,7 @@
       </p:grpSpPr>
       <p:sp>
         <p:nvSpPr>
-          <p:cNvPr id="61" name="TextShape 1"/>
+          <p:cNvPr id="56" name="TextShape 1"/>
           <p:cNvSpPr txBox="1"/>
           <p:nvPr/>
         </p:nvSpPr>
@@ -4075,7 +5607,7 @@
       </p:sp>
       <p:pic>
         <p:nvPicPr>
-          <p:cNvPr id="62" name="" descr=""/>
+          <p:cNvPr id="57" name="" descr=""/>
           <p:cNvPicPr/>
           <p:nvPr/>
         </p:nvPicPr>
@@ -4085,7 +5617,7 @@
         </p:blipFill>
         <p:spPr>
           <a:xfrm>
-            <a:off x="2576880" y="2011680"/>
+            <a:off x="380880" y="2011680"/>
             <a:ext cx="4921200" cy="1843560"/>
           </a:xfrm>
           <a:prstGeom prst="rect">
@@ -4098,7 +5630,7 @@
       </p:pic>
       <p:pic>
         <p:nvPicPr>
-          <p:cNvPr id="63" name="" descr=""/>
+          <p:cNvPr id="58" name="" descr=""/>
           <p:cNvPicPr/>
           <p:nvPr/>
         </p:nvPicPr>
@@ -4108,7 +5640,7 @@
         </p:blipFill>
         <p:spPr>
           <a:xfrm>
-            <a:off x="2554920" y="4023360"/>
+            <a:off x="358920" y="4023360"/>
             <a:ext cx="4943160" cy="1851840"/>
           </a:xfrm>
           <a:prstGeom prst="rect">
@@ -4121,7 +5653,7 @@
       </p:pic>
       <p:sp>
         <p:nvSpPr>
-          <p:cNvPr id="64" name="TextShape 2"/>
+          <p:cNvPr id="59" name="TextShape 2"/>
           <p:cNvSpPr txBox="1"/>
           <p:nvPr/>
         </p:nvSpPr>
@@ -4169,15 +5701,38 @@
           </a:p>
         </p:txBody>
       </p:sp>
+      <p:pic>
+        <p:nvPicPr>
+          <p:cNvPr id="60" name="" descr=""/>
+          <p:cNvPicPr/>
+          <p:nvPr/>
+        </p:nvPicPr>
+        <p:blipFill>
+          <a:blip r:embed="rId3"/>
+          <a:stretch/>
+        </p:blipFill>
+        <p:spPr>
+          <a:xfrm>
+            <a:off x="5760720" y="2743200"/>
+            <a:ext cx="3970800" cy="2118960"/>
+          </a:xfrm>
+          <a:prstGeom prst="rect">
+            <a:avLst/>
+          </a:prstGeom>
+          <a:ln>
+            <a:noFill/>
+          </a:ln>
+        </p:spPr>
+      </p:pic>
     </p:spTree>
   </p:cSld>
   <p:timing>
     <p:tnLst>
       <p:par>
-        <p:cTn id="13" dur="indefinite" restart="never" nodeType="tmRoot">
+        <p:cTn id="9" dur="indefinite" restart="never" nodeType="tmRoot">
           <p:childTnLst>
             <p:seq>
-              <p:cTn id="14" nodeType="mainSeq"/>
+              <p:cTn id="10" nodeType="mainSeq"/>
               <p:prevCondLst>
                 <p:cond delay="0" evt="onPrev">
                   <p:tgtEl>
@@ -4220,7 +5775,7 @@
       </p:grpSpPr>
       <p:sp>
         <p:nvSpPr>
-          <p:cNvPr id="65" name="TextShape 1"/>
+          <p:cNvPr id="61" name="TextShape 1"/>
           <p:cNvSpPr txBox="1"/>
           <p:nvPr/>
         </p:nvSpPr>
@@ -4253,7 +5808,7 @@
                 </a:uFill>
                 <a:latin typeface="Arial"/>
               </a:rPr>
-              <a:t>Example of Src file</a:t>
+              <a:t>Views</a:t>
             </a:r>
             <a:endParaRPr b="0" lang="en-US" sz="4400" spc="-1" strike="noStrike">
               <a:solidFill>
@@ -4271,7 +5826,7 @@
       </p:sp>
       <p:pic>
         <p:nvPicPr>
-          <p:cNvPr id="66" name="" descr=""/>
+          <p:cNvPr id="62" name="" descr=""/>
           <p:cNvPicPr/>
           <p:nvPr/>
         </p:nvPicPr>
@@ -4281,8 +5836,8 @@
         </p:blipFill>
         <p:spPr>
           <a:xfrm>
-            <a:off x="2244960" y="1600560"/>
-            <a:ext cx="5676480" cy="4419360"/>
+            <a:off x="2834640" y="1761480"/>
+            <a:ext cx="4216680" cy="2353320"/>
           </a:xfrm>
           <a:prstGeom prst="rect">
             <a:avLst/>
@@ -4294,71 +5849,14 @@
       </p:pic>
       <p:sp>
         <p:nvSpPr>
-          <p:cNvPr id="67" name="Line 2"/>
-          <p:cNvSpPr/>
-          <p:nvPr/>
-        </p:nvSpPr>
-        <p:spPr>
-          <a:xfrm flipH="1">
-            <a:off x="6400800" y="4206240"/>
-            <a:ext cx="548640" cy="457200"/>
-          </a:xfrm>
-          <a:prstGeom prst="line">
-            <a:avLst/>
-          </a:prstGeom>
-          <a:ln>
-            <a:solidFill>
-              <a:srgbClr val="000000"/>
-            </a:solidFill>
-            <a:tailEnd len="med" type="triangle" w="med"/>
-          </a:ln>
-        </p:spPr>
-        <p:style>
-          <a:lnRef idx="0"/>
-          <a:fillRef idx="0"/>
-          <a:effectRef idx="0"/>
-          <a:fontRef idx="minor"/>
-        </p:style>
-      </p:sp>
-      <p:sp>
-        <p:nvSpPr>
-          <p:cNvPr id="68" name="CustomShape 3"/>
-          <p:cNvSpPr/>
-          <p:nvPr/>
-        </p:nvSpPr>
-        <p:spPr>
-          <a:xfrm>
-            <a:off x="4480560" y="4572000"/>
-            <a:ext cx="1920240" cy="182880"/>
-          </a:xfrm>
-          <a:prstGeom prst="rect">
-            <a:avLst/>
-          </a:prstGeom>
-          <a:noFill/>
-          <a:ln w="57240">
-            <a:solidFill>
-              <a:srgbClr val="ff3333"/>
-            </a:solidFill>
-            <a:round/>
-          </a:ln>
-        </p:spPr>
-        <p:style>
-          <a:lnRef idx="0"/>
-          <a:fillRef idx="0"/>
-          <a:effectRef idx="0"/>
-          <a:fontRef idx="minor"/>
-        </p:style>
-      </p:sp>
-      <p:sp>
-        <p:nvSpPr>
-          <p:cNvPr id="69" name="TextShape 4"/>
+          <p:cNvPr id="63" name="TextShape 2"/>
           <p:cNvSpPr txBox="1"/>
           <p:nvPr/>
         </p:nvSpPr>
         <p:spPr>
           <a:xfrm>
-            <a:off x="6949440" y="3566160"/>
-            <a:ext cx="1737360" cy="1004400"/>
+            <a:off x="1995480" y="6419880"/>
+            <a:ext cx="6051240" cy="346680"/>
           </a:xfrm>
           <a:prstGeom prst="rect">
             <a:avLst/>
@@ -4383,114 +5881,7 @@
                 </a:uFill>
                 <a:latin typeface="Arial"/>
               </a:rPr>
-              <a:t>Gets a resource ID</a:t>
-            </a:r>
-            <a:endParaRPr b="0" lang="en-US" sz="1800" spc="-1" strike="noStrike">
-              <a:solidFill>
-                <a:srgbClr val="000000"/>
-              </a:solidFill>
-              <a:uFill>
-                <a:solidFill>
-                  <a:srgbClr val="ffffff"/>
-                </a:solidFill>
-              </a:uFill>
-              <a:latin typeface="Arial"/>
-            </a:endParaRPr>
-          </a:p>
-        </p:txBody>
-      </p:sp>
-      <p:sp>
-        <p:nvSpPr>
-          <p:cNvPr id="70" name="Line 5"/>
-          <p:cNvSpPr/>
-          <p:nvPr/>
-        </p:nvSpPr>
-        <p:spPr>
-          <a:xfrm>
-            <a:off x="2103120" y="3383280"/>
-            <a:ext cx="1920240" cy="548640"/>
-          </a:xfrm>
-          <a:prstGeom prst="line">
-            <a:avLst/>
-          </a:prstGeom>
-          <a:ln>
-            <a:solidFill>
-              <a:srgbClr val="000000"/>
-            </a:solidFill>
-            <a:tailEnd len="med" type="triangle" w="med"/>
-          </a:ln>
-        </p:spPr>
-        <p:style>
-          <a:lnRef idx="0"/>
-          <a:fillRef idx="0"/>
-          <a:effectRef idx="0"/>
-          <a:fontRef idx="minor"/>
-        </p:style>
-      </p:sp>
-      <p:sp>
-        <p:nvSpPr>
-          <p:cNvPr id="71" name="CustomShape 6"/>
-          <p:cNvSpPr/>
-          <p:nvPr/>
-        </p:nvSpPr>
-        <p:spPr>
-          <a:xfrm>
-            <a:off x="4023360" y="3876480"/>
-            <a:ext cx="1737360" cy="182880"/>
-          </a:xfrm>
-          <a:prstGeom prst="rect">
-            <a:avLst/>
-          </a:prstGeom>
-          <a:noFill/>
-          <a:ln w="57240">
-            <a:solidFill>
-              <a:srgbClr val="ff3333"/>
-            </a:solidFill>
-            <a:round/>
-          </a:ln>
-        </p:spPr>
-        <p:style>
-          <a:lnRef idx="0"/>
-          <a:fillRef idx="0"/>
-          <a:effectRef idx="0"/>
-          <a:fontRef idx="minor"/>
-        </p:style>
-      </p:sp>
-      <p:sp>
-        <p:nvSpPr>
-          <p:cNvPr id="72" name="TextShape 7"/>
-          <p:cNvSpPr txBox="1"/>
-          <p:nvPr/>
-        </p:nvSpPr>
-        <p:spPr>
-          <a:xfrm>
-            <a:off x="731520" y="2836080"/>
-            <a:ext cx="1737360" cy="1004400"/>
-          </a:xfrm>
-          <a:prstGeom prst="rect">
-            <a:avLst/>
-          </a:prstGeom>
-          <a:noFill/>
-          <a:ln>
-            <a:noFill/>
-          </a:ln>
-        </p:spPr>
-        <p:txBody>
-          <a:bodyPr lIns="90000" rIns="90000" tIns="45000" bIns="45000"/>
-          <a:p>
-            <a:r>
-              <a:rPr b="0" lang="en-US" sz="1800" spc="-1" strike="noStrike">
-                <a:solidFill>
-                  <a:srgbClr val="000000"/>
-                </a:solidFill>
-                <a:uFill>
-                  <a:solidFill>
-                    <a:srgbClr val="ffffff"/>
-                  </a:solidFill>
-                </a:uFill>
-                <a:latin typeface="Arial"/>
-              </a:rPr>
-              <a:t>Gets a layout resource</a:t>
+              <a:t>https://developer.android.com/guide/topics/ui/controls.html</a:t>
             </a:r>
             <a:endParaRPr b="0" lang="en-US" sz="1800" spc="-1" strike="noStrike">
               <a:solidFill>
@@ -4511,10 +5902,10 @@
   <p:timing>
     <p:tnLst>
       <p:par>
-        <p:cTn id="15" dur="indefinite" restart="never" nodeType="tmRoot">
+        <p:cTn id="11" dur="indefinite" restart="never" nodeType="tmRoot">
           <p:childTnLst>
             <p:seq>
-              <p:cTn id="16" nodeType="mainSeq"/>
+              <p:cTn id="12" nodeType="mainSeq"/>
               <p:prevCondLst>
                 <p:cond delay="0" evt="onPrev">
                   <p:tgtEl>
@@ -4557,7 +5948,7 @@
       </p:grpSpPr>
       <p:sp>
         <p:nvSpPr>
-          <p:cNvPr id="73" name="TextShape 1"/>
+          <p:cNvPr id="64" name="TextShape 1"/>
           <p:cNvSpPr txBox="1"/>
           <p:nvPr/>
         </p:nvSpPr>
@@ -4590,7 +5981,7 @@
                 </a:uFill>
                 <a:latin typeface="Arial"/>
               </a:rPr>
-              <a:t>Reference Material</a:t>
+              <a:t>Example of Layout Res file</a:t>
             </a:r>
             <a:endParaRPr b="0" lang="en-US" sz="4400" spc="-1" strike="noStrike">
               <a:solidFill>
@@ -4606,16 +5997,96 @@
           </a:p>
         </p:txBody>
       </p:sp>
-      <p:sp>
-        <p:nvSpPr>
-          <p:cNvPr id="74" name="TextShape 2"/>
+      <p:pic>
+        <p:nvPicPr>
+          <p:cNvPr id="65" name="" descr=""/>
+          <p:cNvPicPr/>
+          <p:nvPr/>
+        </p:nvPicPr>
+        <p:blipFill>
+          <a:blip r:embed="rId1"/>
+          <a:stretch/>
+        </p:blipFill>
+        <p:spPr>
+          <a:xfrm>
+            <a:off x="484200" y="1636920"/>
+            <a:ext cx="9025560" cy="5495400"/>
+          </a:xfrm>
+          <a:prstGeom prst="rect">
+            <a:avLst/>
+          </a:prstGeom>
+          <a:ln>
+            <a:noFill/>
+          </a:ln>
+        </p:spPr>
+      </p:pic>
+      <p:sp>
+        <p:nvSpPr>
+          <p:cNvPr id="66" name="Line 2"/>
+          <p:cNvSpPr/>
+          <p:nvPr/>
+        </p:nvSpPr>
+        <p:spPr>
+          <a:xfrm flipH="1" flipV="1">
+            <a:off x="3840480" y="2834640"/>
+            <a:ext cx="1005840" cy="365760"/>
+          </a:xfrm>
+          <a:prstGeom prst="line">
+            <a:avLst/>
+          </a:prstGeom>
+          <a:ln>
+            <a:solidFill>
+              <a:srgbClr val="000000"/>
+            </a:solidFill>
+            <a:tailEnd len="med" type="triangle" w="med"/>
+          </a:ln>
+        </p:spPr>
+        <p:style>
+          <a:lnRef idx="0"/>
+          <a:fillRef idx="0"/>
+          <a:effectRef idx="0"/>
+          <a:fontRef idx="minor"/>
+        </p:style>
+      </p:sp>
+      <p:sp>
+        <p:nvSpPr>
+          <p:cNvPr id="67" name="CustomShape 3"/>
+          <p:cNvSpPr/>
+          <p:nvPr/>
+        </p:nvSpPr>
+        <p:spPr>
+          <a:xfrm>
+            <a:off x="2103120" y="2651760"/>
+            <a:ext cx="2011680" cy="182880"/>
+          </a:xfrm>
+          <a:prstGeom prst="rect">
+            <a:avLst/>
+          </a:prstGeom>
+          <a:noFill/>
+          <a:ln w="57240">
+            <a:solidFill>
+              <a:srgbClr val="ff3333"/>
+            </a:solidFill>
+            <a:round/>
+          </a:ln>
+        </p:spPr>
+        <p:style>
+          <a:lnRef idx="0"/>
+          <a:fillRef idx="0"/>
+          <a:effectRef idx="0"/>
+          <a:fontRef idx="minor"/>
+        </p:style>
+      </p:sp>
+      <p:sp>
+        <p:nvSpPr>
+          <p:cNvPr id="68" name="TextShape 4"/>
           <p:cNvSpPr txBox="1"/>
           <p:nvPr/>
         </p:nvSpPr>
         <p:spPr>
           <a:xfrm>
-            <a:off x="504000" y="1769040"/>
-            <a:ext cx="9071640" cy="4384440"/>
+            <a:off x="4663440" y="3200400"/>
+            <a:ext cx="1737360" cy="1370160"/>
           </a:xfrm>
           <a:prstGeom prst="rect">
             <a:avLst/>
@@ -4626,173 +6097,101 @@
           </a:ln>
         </p:spPr>
         <p:txBody>
-          <a:bodyPr lIns="0" rIns="0" tIns="0" bIns="0"/>
-          <a:p>
-            <a:pPr marL="432000" indent="-324000">
-              <a:buClr>
-                <a:srgbClr val="000000"/>
-              </a:buClr>
-              <a:buSzPct val="45000"/>
-              <a:buFont typeface="Wingdings" charset="2"/>
-              <a:buChar char=""/>
-            </a:pPr>
-            <a:r>
-              <a:rPr b="0" lang="en-US" sz="3200" spc="-1" strike="noStrike">
-                <a:solidFill>
-                  <a:srgbClr val="000000"/>
-                </a:solidFill>
-                <a:uFill>
-                  <a:solidFill>
-                    <a:srgbClr val="ffffff"/>
-                  </a:solidFill>
-                </a:uFill>
-                <a:latin typeface="Arial"/>
-              </a:rPr>
-              <a:t>For API references, tutorials, etc.</a:t>
-            </a:r>
-            <a:endParaRPr b="0" lang="en-US" sz="3200" spc="-1" strike="noStrike">
-              <a:solidFill>
-                <a:srgbClr val="000000"/>
-              </a:solidFill>
-              <a:uFill>
-                <a:solidFill>
-                  <a:srgbClr val="ffffff"/>
-                </a:solidFill>
-              </a:uFill>
-              <a:latin typeface="Arial"/>
-            </a:endParaRPr>
-          </a:p>
-          <a:p>
-            <a:pPr lvl="1" marL="864000" indent="-324000">
-              <a:buClr>
-                <a:srgbClr val="000000"/>
-              </a:buClr>
-              <a:buSzPct val="75000"/>
-              <a:buFont typeface="Symbol" charset="2"/>
-              <a:buChar char=""/>
-            </a:pPr>
-            <a:r>
-              <a:rPr b="0" lang="en-US" sz="2800" spc="-1" strike="noStrike">
-                <a:solidFill>
-                  <a:srgbClr val="000000"/>
-                </a:solidFill>
-                <a:uFill>
-                  <a:solidFill>
-                    <a:srgbClr val="ffffff"/>
-                  </a:solidFill>
-                </a:uFill>
-                <a:latin typeface="Arial"/>
-                <a:hlinkClick r:id="rId1"/>
-              </a:rPr>
-              <a:t>https://developer.android.com</a:t>
-            </a:r>
-            <a:endParaRPr b="0" lang="en-US" sz="2800" spc="-1" strike="noStrike">
-              <a:solidFill>
-                <a:srgbClr val="000000"/>
-              </a:solidFill>
-              <a:uFill>
-                <a:solidFill>
-                  <a:srgbClr val="ffffff"/>
-                </a:solidFill>
-              </a:uFill>
-              <a:latin typeface="Arial"/>
-            </a:endParaRPr>
-          </a:p>
-          <a:p>
-            <a:pPr marL="432000" indent="-324000">
-              <a:buClr>
-                <a:srgbClr val="000000"/>
-              </a:buClr>
-              <a:buSzPct val="45000"/>
-              <a:buFont typeface="Wingdings" charset="2"/>
-              <a:buChar char=""/>
-            </a:pPr>
-            <a:r>
-              <a:rPr b="0" lang="en-US" sz="3200" spc="-1" strike="noStrike">
-                <a:solidFill>
-                  <a:srgbClr val="000000"/>
-                </a:solidFill>
-                <a:uFill>
-                  <a:solidFill>
-                    <a:srgbClr val="ffffff"/>
-                  </a:solidFill>
-                </a:uFill>
-                <a:latin typeface="Arial"/>
-              </a:rPr>
-              <a:t>Training Tutorials:</a:t>
-            </a:r>
-            <a:endParaRPr b="0" lang="en-US" sz="3200" spc="-1" strike="noStrike">
-              <a:solidFill>
-                <a:srgbClr val="000000"/>
-              </a:solidFill>
-              <a:uFill>
-                <a:solidFill>
-                  <a:srgbClr val="ffffff"/>
-                </a:solidFill>
-              </a:uFill>
-              <a:latin typeface="Arial"/>
-            </a:endParaRPr>
-          </a:p>
-          <a:p>
-            <a:pPr lvl="1" marL="864000" indent="-324000">
-              <a:buClr>
-                <a:srgbClr val="000000"/>
-              </a:buClr>
-              <a:buSzPct val="75000"/>
-              <a:buFont typeface="Symbol" charset="2"/>
-              <a:buChar char=""/>
-            </a:pPr>
-            <a:r>
-              <a:rPr b="0" lang="en-US" sz="2800" spc="-1" strike="noStrike">
-                <a:solidFill>
-                  <a:srgbClr val="000000"/>
-                </a:solidFill>
-                <a:uFill>
-                  <a:solidFill>
-                    <a:srgbClr val="ffffff"/>
-                  </a:solidFill>
-                </a:uFill>
-                <a:latin typeface="Arial"/>
-                <a:hlinkClick r:id="rId2"/>
-              </a:rPr>
-              <a:t>https://developer.android.com/guide/components/fundamentals.html</a:t>
-            </a:r>
-            <a:endParaRPr b="0" lang="en-US" sz="2800" spc="-1" strike="noStrike">
-              <a:solidFill>
-                <a:srgbClr val="000000"/>
-              </a:solidFill>
-              <a:uFill>
-                <a:solidFill>
-                  <a:srgbClr val="ffffff"/>
-                </a:solidFill>
-              </a:uFill>
-              <a:latin typeface="Arial"/>
-            </a:endParaRPr>
-          </a:p>
-          <a:p>
-            <a:pPr marL="432000" indent="-324000">
-              <a:buClr>
-                <a:srgbClr val="000000"/>
-              </a:buClr>
-              <a:buSzPct val="45000"/>
-              <a:buFont typeface="Wingdings" charset="2"/>
-              <a:buChar char=""/>
-            </a:pPr>
-            <a:r>
-              <a:rPr b="0" lang="en-US" sz="3200" spc="-1" strike="noStrike">
-                <a:solidFill>
-                  <a:srgbClr val="000000"/>
-                </a:solidFill>
-                <a:uFill>
-                  <a:solidFill>
-                    <a:srgbClr val="ffffff"/>
-                  </a:solidFill>
-                </a:uFill>
-                <a:latin typeface="Arial"/>
-              </a:rPr>
-              <a:t> </a:t>
-            </a:r>
-            <a:endParaRPr b="0" lang="en-US" sz="3200" spc="-1" strike="noStrike">
+          <a:bodyPr lIns="90000" rIns="90000" tIns="45000" bIns="45000"/>
+          <a:p>
+            <a:r>
+              <a:rPr b="0" lang="en-US" sz="1800" spc="-1" strike="noStrike">
+                <a:solidFill>
+                  <a:srgbClr val="000000"/>
+                </a:solidFill>
+                <a:uFill>
+                  <a:solidFill>
+                    <a:srgbClr val="ffffff"/>
+                  </a:solidFill>
+                </a:uFill>
+                <a:latin typeface="Arial"/>
+              </a:rPr>
+              <a:t>Gets a resource from dimen.xml</a:t>
+            </a:r>
+            <a:endParaRPr b="0" lang="en-US" sz="1800" spc="-1" strike="noStrike">
+              <a:solidFill>
+                <a:srgbClr val="000000"/>
+              </a:solidFill>
+              <a:uFill>
+                <a:solidFill>
+                  <a:srgbClr val="ffffff"/>
+                </a:solidFill>
+              </a:uFill>
+              <a:latin typeface="Arial"/>
+            </a:endParaRPr>
+          </a:p>
+        </p:txBody>
+      </p:sp>
+      <p:sp>
+        <p:nvSpPr>
+          <p:cNvPr id="69" name="Line 5"/>
+          <p:cNvSpPr/>
+          <p:nvPr/>
+        </p:nvSpPr>
+        <p:spPr>
+          <a:xfrm flipH="1" flipV="1">
+            <a:off x="2560320" y="4480560"/>
+            <a:ext cx="1005840" cy="365760"/>
+          </a:xfrm>
+          <a:prstGeom prst="line">
+            <a:avLst/>
+          </a:prstGeom>
+          <a:ln>
+            <a:solidFill>
+              <a:srgbClr val="000000"/>
+            </a:solidFill>
+            <a:tailEnd len="med" type="triangle" w="med"/>
+          </a:ln>
+        </p:spPr>
+        <p:style>
+          <a:lnRef idx="0"/>
+          <a:fillRef idx="0"/>
+          <a:effectRef idx="0"/>
+          <a:fontRef idx="minor"/>
+        </p:style>
+      </p:sp>
+      <p:sp>
+        <p:nvSpPr>
+          <p:cNvPr id="70" name="TextShape 6"/>
+          <p:cNvSpPr txBox="1"/>
+          <p:nvPr/>
+        </p:nvSpPr>
+        <p:spPr>
+          <a:xfrm>
+            <a:off x="3657600" y="4754880"/>
+            <a:ext cx="1737360" cy="1370160"/>
+          </a:xfrm>
+          <a:prstGeom prst="rect">
+            <a:avLst/>
+          </a:prstGeom>
+          <a:noFill/>
+          <a:ln>
+            <a:noFill/>
+          </a:ln>
+        </p:spPr>
+        <p:txBody>
+          <a:bodyPr lIns="90000" rIns="90000" tIns="45000" bIns="45000"/>
+          <a:p>
+            <a:r>
+              <a:rPr b="0" lang="en-US" sz="1800" spc="-1" strike="noStrike">
+                <a:solidFill>
+                  <a:srgbClr val="000000"/>
+                </a:solidFill>
+                <a:uFill>
+                  <a:solidFill>
+                    <a:srgbClr val="ffffff"/>
+                  </a:solidFill>
+                </a:uFill>
+                <a:latin typeface="Arial"/>
+              </a:rPr>
+              <a:t>Should convert to resource in string.xml and reference using @string</a:t>
+            </a:r>
+            <a:endParaRPr b="0" lang="en-US" sz="1800" spc="-1" strike="noStrike">
               <a:solidFill>
                 <a:srgbClr val="000000"/>
               </a:solidFill>
@@ -4811,10 +6210,10 @@
   <p:timing>
     <p:tnLst>
       <p:par>
-        <p:cTn id="17" dur="indefinite" restart="never" nodeType="tmRoot">
+        <p:cTn id="13" dur="indefinite" restart="never" nodeType="tmRoot">
           <p:childTnLst>
             <p:seq>
-              <p:cTn id="18" nodeType="mainSeq"/>
+              <p:cTn id="14" nodeType="mainSeq"/>
               <p:prevCondLst>
                 <p:cond delay="0" evt="onPrev">
                   <p:tgtEl>
